--- a/OctopusDeployFundamentals/Module1-Infrastructure/Slides/Module1Class2-TargetsAndRoles.pptx
+++ b/OctopusDeployFundamentals/Module1-Infrastructure/Slides/Module1Class2-TargetsAndRoles.pptx
@@ -5,7 +5,7 @@
     <p:sldMasterId id="2147483659" r:id="rId1"/>
   </p:sldMasterIdLst>
   <p:notesMasterIdLst>
-    <p:notesMasterId r:id="rId14"/>
+    <p:notesMasterId r:id="rId15"/>
   </p:notesMasterIdLst>
   <p:sldIdLst>
     <p:sldId id="268" r:id="rId2"/>
@@ -14,12 +14,13 @@
     <p:sldId id="272" r:id="rId5"/>
     <p:sldId id="271" r:id="rId6"/>
     <p:sldId id="270" r:id="rId7"/>
-    <p:sldId id="269" r:id="rId8"/>
-    <p:sldId id="273" r:id="rId9"/>
-    <p:sldId id="274" r:id="rId10"/>
-    <p:sldId id="261" r:id="rId11"/>
-    <p:sldId id="275" r:id="rId12"/>
-    <p:sldId id="266" r:id="rId13"/>
+    <p:sldId id="278" r:id="rId8"/>
+    <p:sldId id="280" r:id="rId9"/>
+    <p:sldId id="279" r:id="rId10"/>
+    <p:sldId id="269" r:id="rId11"/>
+    <p:sldId id="261" r:id="rId12"/>
+    <p:sldId id="275" r:id="rId13"/>
+    <p:sldId id="266" r:id="rId14"/>
   </p:sldIdLst>
   <p:sldSz cx="9144000" cy="5143500" type="screen16x9"/>
   <p:notesSz cx="6858000" cy="9144000"/>
@@ -267,9 +268,10 @@
             <p14:sldId id="272"/>
             <p14:sldId id="271"/>
             <p14:sldId id="270"/>
+            <p14:sldId id="278"/>
+            <p14:sldId id="280"/>
+            <p14:sldId id="279"/>
             <p14:sldId id="269"/>
-            <p14:sldId id="273"/>
-            <p14:sldId id="274"/>
             <p14:sldId id="261"/>
           </p14:sldIdLst>
         </p14:section>
@@ -863,7 +865,7 @@
                 <a:effectLst/>
                 <a:latin typeface="Consolas" panose="020B0609020204030204" pitchFamily="49" charset="0"/>
               </a:rPr>
-              <a:t>This video will explain the purpose of "Deployment Targets" and "Machine Roles", as well as the relationship between them. Understanding how Targets and Roles work will be an important foundation ahead of the next class where we'll begin to configure our infrastructure</a:t>
+              <a:t>This video will explain the purpose of "Deployment Targets" and “Target Roles", as well as the relationship between them. Understanding how Targets and Roles work will be an important foundation ahead of the next class where we'll begin to configure our infrastructure</a:t>
             </a:r>
             <a:br>
               <a:rPr lang="en-GB" b="0" dirty="0">
@@ -1081,7 +1083,7 @@
                 <a:effectLst/>
                 <a:latin typeface="Consolas" panose="020B0609020204030204" pitchFamily="49" charset="0"/>
               </a:rPr>
-              <a:t>Furthermore, Octopus Deploy isn't only a deployment tool…</a:t>
+              <a:t>These independent sites use a mix of dedicated and shared infrastructure….</a:t>
             </a:r>
           </a:p>
           <a:p>
@@ -1140,7 +1142,7 @@
                 <a:effectLst/>
                 <a:latin typeface="Consolas" panose="020B0609020204030204" pitchFamily="49" charset="0"/>
               </a:rPr>
-              <a:t>…Operations Runbooks allow us to run routine or emergency maintenance tasks, in a fully audited manner using version controlled scripts.</a:t>
+              <a:t>It would help to use a consistent naming convention for our Roles, that includes both the type of deployment target, as well as the thing we intend to deploy. For example, website-webserver or docs-database. Note that Deployment Targets can have multiple Roles.</a:t>
             </a:r>
           </a:p>
           <a:p>
@@ -1199,7 +1201,147 @@
                 <a:effectLst/>
                 <a:latin typeface="Consolas" panose="020B0609020204030204" pitchFamily="49" charset="0"/>
               </a:rPr>
-              <a:t>For example, we might want to use an Operations Runbook to install the latest SQL Server updates or instruct our load balancer to remove a troublesome web server from rotation.</a:t>
+              <a:t>Furthermore, Octopus Deploy isn't only a deployment tool…</a:t>
+            </a:r>
+          </a:p>
+          <a:p>
+            <a:pPr marL="0" lvl="0" indent="0" algn="l" rtl="0">
+              <a:spcBef>
+                <a:spcPts val="0"/>
+              </a:spcBef>
+              <a:spcAft>
+                <a:spcPts val="0"/>
+              </a:spcAft>
+              <a:buNone/>
+            </a:pPr>
+            <a:endParaRPr dirty="0"/>
+          </a:p>
+        </p:txBody>
+      </p:sp>
+    </p:spTree>
+    <p:extLst>
+      <p:ext uri="{BB962C8B-B14F-4D97-AF65-F5344CB8AC3E}">
+        <p14:creationId xmlns:p14="http://schemas.microsoft.com/office/powerpoint/2010/main" val="173717670"/>
+      </p:ext>
+    </p:extLst>
+  </p:cSld>
+  <p:clrMapOvr>
+    <a:masterClrMapping/>
+  </p:clrMapOvr>
+</p:notes>
+</file>
+
+<file path=ppt/notesSlides/notesSlide11.xml><?xml version="1.0" encoding="utf-8"?>
+<p:notes xmlns:a="http://schemas.openxmlformats.org/drawingml/2006/main" xmlns:r="http://schemas.openxmlformats.org/officeDocument/2006/relationships" xmlns:p="http://schemas.openxmlformats.org/presentationml/2006/main" showMasterSp="0" showMasterPhAnim="0">
+  <p:cSld>
+    <p:spTree>
+      <p:nvGrpSpPr>
+        <p:cNvPr id="1" name="Shape 59"/>
+        <p:cNvGrpSpPr/>
+        <p:nvPr/>
+      </p:nvGrpSpPr>
+      <p:grpSpPr>
+        <a:xfrm>
+          <a:off x="0" y="0"/>
+          <a:ext cx="0" cy="0"/>
+          <a:chOff x="0" y="0"/>
+          <a:chExt cx="0" cy="0"/>
+        </a:xfrm>
+      </p:grpSpPr>
+      <p:sp>
+        <p:nvSpPr>
+          <p:cNvPr id="60" name="Google Shape;60;g10e8f13418e_0_11:notes"/>
+          <p:cNvSpPr>
+            <a:spLocks noGrp="1" noRot="1" noChangeAspect="1"/>
+          </p:cNvSpPr>
+          <p:nvPr>
+            <p:ph type="sldImg" idx="2"/>
+          </p:nvPr>
+        </p:nvSpPr>
+        <p:spPr>
+          <a:xfrm>
+            <a:off x="381000" y="685800"/>
+            <a:ext cx="6096000" cy="3429000"/>
+          </a:xfrm>
+          <a:custGeom>
+            <a:avLst/>
+            <a:gdLst/>
+            <a:ahLst/>
+            <a:cxnLst/>
+            <a:rect l="l" t="t" r="r" b="b"/>
+            <a:pathLst>
+              <a:path w="120000" h="120000" extrusionOk="0">
+                <a:moveTo>
+                  <a:pt x="0" y="0"/>
+                </a:moveTo>
+                <a:lnTo>
+                  <a:pt x="120000" y="0"/>
+                </a:lnTo>
+                <a:lnTo>
+                  <a:pt x="120000" y="120000"/>
+                </a:lnTo>
+                <a:lnTo>
+                  <a:pt x="0" y="120000"/>
+                </a:lnTo>
+                <a:close/>
+              </a:path>
+            </a:pathLst>
+          </a:custGeom>
+        </p:spPr>
+      </p:sp>
+      <p:sp>
+        <p:nvSpPr>
+          <p:cNvPr id="61" name="Google Shape;61;g10e8f13418e_0_11:notes"/>
+          <p:cNvSpPr txBox="1">
+            <a:spLocks noGrp="1"/>
+          </p:cNvSpPr>
+          <p:nvPr>
+            <p:ph type="body" idx="1"/>
+          </p:nvPr>
+        </p:nvSpPr>
+        <p:spPr>
+          <a:xfrm>
+            <a:off x="685800" y="4343400"/>
+            <a:ext cx="5486400" cy="4114800"/>
+          </a:xfrm>
+          <a:prstGeom prst="rect">
+            <a:avLst/>
+          </a:prstGeom>
+        </p:spPr>
+        <p:txBody>
+          <a:bodyPr spcFirstLastPara="1" wrap="square" lIns="91425" tIns="91425" rIns="91425" bIns="91425" anchor="t" anchorCtr="0">
+            <a:noAutofit/>
+          </a:bodyPr>
+          <a:lstStyle/>
+          <a:p>
+            <a:pPr marL="0" marR="0" lvl="0" indent="0" algn="l" defTabSz="914400" rtl="0" eaLnBrk="1" fontAlgn="auto" latinLnBrk="0" hangingPunct="1">
+              <a:lnSpc>
+                <a:spcPct val="100000"/>
+              </a:lnSpc>
+              <a:spcBef>
+                <a:spcPts val="0"/>
+              </a:spcBef>
+              <a:spcAft>
+                <a:spcPts val="0"/>
+              </a:spcAft>
+              <a:buClr>
+                <a:srgbClr val="000000"/>
+              </a:buClr>
+              <a:buSzPts val="1100"/>
+              <a:buFont typeface="Arial"/>
+              <a:buNone/>
+              <a:tabLst/>
+              <a:defRPr/>
+            </a:pPr>
+            <a:r>
+              <a:rPr lang="en-GB" b="0" dirty="0">
+                <a:solidFill>
+                  <a:srgbClr val="D4D4D4"/>
+                </a:solidFill>
+                <a:effectLst/>
+                <a:latin typeface="Consolas" panose="020B0609020204030204" pitchFamily="49" charset="0"/>
+              </a:rPr>
+              <a:t>Furthermore, Octopus Deploy isn't only a deployment tool…</a:t>
             </a:r>
           </a:p>
           <a:p>
@@ -1258,7 +1400,125 @@
                 <a:effectLst/>
                 <a:latin typeface="Consolas" panose="020B0609020204030204" pitchFamily="49" charset="0"/>
               </a:rPr>
-              <a:t>With this in mind, it can be useful to use additional generic roles to define which targets are used to host SQL Server instances, load balancers, IIS etc.</a:t>
+              <a:t>…Operations Runbooks allow us to run routine or emergency maintenance tasks, in a fully audited manner using version controlled scripts.</a:t>
+            </a:r>
+          </a:p>
+          <a:p>
+            <a:pPr marL="0" marR="0" lvl="0" indent="0" algn="l" defTabSz="914400" rtl="0" eaLnBrk="1" fontAlgn="auto" latinLnBrk="0" hangingPunct="1">
+              <a:lnSpc>
+                <a:spcPct val="100000"/>
+              </a:lnSpc>
+              <a:spcBef>
+                <a:spcPts val="0"/>
+              </a:spcBef>
+              <a:spcAft>
+                <a:spcPts val="0"/>
+              </a:spcAft>
+              <a:buClr>
+                <a:srgbClr val="000000"/>
+              </a:buClr>
+              <a:buSzPts val="1100"/>
+              <a:buFont typeface="Arial"/>
+              <a:buNone/>
+              <a:tabLst/>
+              <a:defRPr/>
+            </a:pPr>
+            <a:endParaRPr lang="en-GB" b="0" dirty="0">
+              <a:solidFill>
+                <a:srgbClr val="D4D4D4"/>
+              </a:solidFill>
+              <a:effectLst/>
+              <a:latin typeface="Consolas" panose="020B0609020204030204" pitchFamily="49" charset="0"/>
+            </a:endParaRPr>
+          </a:p>
+          <a:p>
+            <a:pPr marL="0" marR="0" lvl="0" indent="0" algn="l" defTabSz="914400" rtl="0" eaLnBrk="1" fontAlgn="auto" latinLnBrk="0" hangingPunct="1">
+              <a:lnSpc>
+                <a:spcPct val="100000"/>
+              </a:lnSpc>
+              <a:spcBef>
+                <a:spcPts val="0"/>
+              </a:spcBef>
+              <a:spcAft>
+                <a:spcPts val="0"/>
+              </a:spcAft>
+              <a:buClr>
+                <a:srgbClr val="000000"/>
+              </a:buClr>
+              <a:buSzPts val="1100"/>
+              <a:buFont typeface="Arial"/>
+              <a:buNone/>
+              <a:tabLst/>
+              <a:defRPr/>
+            </a:pPr>
+            <a:r>
+              <a:rPr lang="en-GB" b="0" dirty="0">
+                <a:solidFill>
+                  <a:srgbClr val="D4D4D4"/>
+                </a:solidFill>
+                <a:effectLst/>
+                <a:latin typeface="Consolas" panose="020B0609020204030204" pitchFamily="49" charset="0"/>
+              </a:rPr>
+              <a:t>For example, we might want to use an Operations Runbook to install the latest SQL Server updates, or to instruct our load balancer to remove a troublesome web server from rotation.</a:t>
+            </a:r>
+          </a:p>
+          <a:p>
+            <a:pPr marL="0" marR="0" lvl="0" indent="0" algn="l" defTabSz="914400" rtl="0" eaLnBrk="1" fontAlgn="auto" latinLnBrk="0" hangingPunct="1">
+              <a:lnSpc>
+                <a:spcPct val="100000"/>
+              </a:lnSpc>
+              <a:spcBef>
+                <a:spcPts val="0"/>
+              </a:spcBef>
+              <a:spcAft>
+                <a:spcPts val="0"/>
+              </a:spcAft>
+              <a:buClr>
+                <a:srgbClr val="000000"/>
+              </a:buClr>
+              <a:buSzPts val="1100"/>
+              <a:buFont typeface="Arial"/>
+              <a:buNone/>
+              <a:tabLst/>
+              <a:defRPr/>
+            </a:pPr>
+            <a:endParaRPr lang="en-GB" b="0" dirty="0">
+              <a:solidFill>
+                <a:srgbClr val="D4D4D4"/>
+              </a:solidFill>
+              <a:effectLst/>
+              <a:latin typeface="Consolas" panose="020B0609020204030204" pitchFamily="49" charset="0"/>
+            </a:endParaRPr>
+          </a:p>
+          <a:p>
+            <a:pPr marL="0" marR="0" lvl="0" indent="0" algn="l" defTabSz="914400" rtl="0" eaLnBrk="1" fontAlgn="auto" latinLnBrk="0" hangingPunct="1">
+              <a:lnSpc>
+                <a:spcPct val="100000"/>
+              </a:lnSpc>
+              <a:spcBef>
+                <a:spcPts val="0"/>
+              </a:spcBef>
+              <a:spcAft>
+                <a:spcPts val="0"/>
+              </a:spcAft>
+              <a:buClr>
+                <a:srgbClr val="000000"/>
+              </a:buClr>
+              <a:buSzPts val="1100"/>
+              <a:buFont typeface="Arial"/>
+              <a:buNone/>
+              <a:tabLst/>
+              <a:defRPr/>
+            </a:pPr>
+            <a:r>
+              <a:rPr lang="en-GB" b="0" dirty="0">
+                <a:solidFill>
+                  <a:srgbClr val="D4D4D4"/>
+                </a:solidFill>
+                <a:effectLst/>
+                <a:latin typeface="Consolas" panose="020B0609020204030204" pitchFamily="49" charset="0"/>
+              </a:rPr>
+              <a:t>With this in mind, it can be useful to use additional generic roles to define which targets are used to host software for data management, load balancing, web hosting etc.</a:t>
             </a:r>
           </a:p>
           <a:p>
@@ -1462,7 +1722,7 @@
 </p:notes>
 </file>
 
-<file path=ppt/notesSlides/notesSlide11.xml><?xml version="1.0" encoding="utf-8"?>
+<file path=ppt/notesSlides/notesSlide12.xml><?xml version="1.0" encoding="utf-8"?>
 <p:notes xmlns:a="http://schemas.openxmlformats.org/drawingml/2006/main" xmlns:r="http://schemas.openxmlformats.org/officeDocument/2006/relationships" xmlns:p="http://schemas.openxmlformats.org/presentationml/2006/main">
   <p:cSld>
     <p:spTree>
@@ -1695,7 +1955,7 @@
 </p:notes>
 </file>
 
-<file path=ppt/notesSlides/notesSlide12.xml><?xml version="1.0" encoding="utf-8"?>
+<file path=ppt/notesSlides/notesSlide13.xml><?xml version="1.0" encoding="utf-8"?>
 <p:notes xmlns:a="http://schemas.openxmlformats.org/drawingml/2006/main" xmlns:r="http://schemas.openxmlformats.org/officeDocument/2006/relationships" xmlns:p="http://schemas.openxmlformats.org/presentationml/2006/main" showMasterSp="0" showMasterPhAnim="0">
   <p:cSld>
     <p:spTree>
@@ -1816,7 +2076,7 @@
                 <a:effectLst/>
                 <a:latin typeface="Consolas" panose="020B0609020204030204" pitchFamily="49" charset="0"/>
               </a:rPr>
-              <a:t>To recap, here are some key tips to remember as you create your own Deployment Targets and Machine Roles:</a:t>
+              <a:t>To recap, here are some key tips to remember as you create your own Deployment Targets and Target Roles:</a:t>
             </a:r>
           </a:p>
           <a:p>
@@ -1875,7 +2135,7 @@
                 <a:effectLst/>
                 <a:latin typeface="Consolas" panose="020B0609020204030204" pitchFamily="49" charset="0"/>
               </a:rPr>
-              <a:t> Use a specific Machine Role naming convention on Deployment Targets, including the Deployment Project Name. For example: Website-</a:t>
+              <a:t> Use a specific Target Role naming convention, including the Deployment Project Name. For example: Website-</a:t>
             </a:r>
             <a:r>
               <a:rPr lang="en-GB" b="0" dirty="0" err="1">
@@ -1920,7 +2180,7 @@
                 <a:effectLst/>
                 <a:latin typeface="Consolas" panose="020B0609020204030204" pitchFamily="49" charset="0"/>
               </a:rPr>
-              <a:t> Use generic Machine Roles for maintenance runbooks. For Example: IIS or MSSQL</a:t>
+              <a:t> Use generic Target Roles for maintenance runbooks. For Example: IIS or MSSQL</a:t>
             </a:r>
           </a:p>
           <a:p>
@@ -1944,8 +2204,25 @@
                 <a:effectLst/>
                 <a:latin typeface="Consolas" panose="020B0609020204030204" pitchFamily="49" charset="0"/>
               </a:rPr>
-              <a:t>In the next class, we'll create a new Deployment Target and assign it a Machine Role.</a:t>
-            </a:r>
+              <a:t>In the next class, we'll create a new </a:t>
+            </a:r>
+            <a:r>
+              <a:rPr lang="en-GB" b="0">
+                <a:solidFill>
+                  <a:srgbClr val="D4D4D4"/>
+                </a:solidFill>
+                <a:effectLst/>
+                <a:latin typeface="Consolas" panose="020B0609020204030204" pitchFamily="49" charset="0"/>
+              </a:rPr>
+              <a:t>Deployment Target.</a:t>
+            </a:r>
+            <a:endParaRPr lang="en-GB" b="0" dirty="0">
+              <a:solidFill>
+                <a:srgbClr val="D4D4D4"/>
+              </a:solidFill>
+              <a:effectLst/>
+              <a:latin typeface="Consolas" panose="020B0609020204030204" pitchFamily="49" charset="0"/>
+            </a:endParaRPr>
           </a:p>
           <a:p>
             <a:pPr marL="158750" indent="0">
@@ -2154,7 +2431,7 @@
                 <a:effectLst/>
                 <a:latin typeface="Consolas" panose="020B0609020204030204" pitchFamily="49" charset="0"/>
               </a:rPr>
-              <a:t> Definitions for both Deployment Target and Machine Roles. </a:t>
+              <a:t> Definitions for both Deployment Target and Target Roles. </a:t>
             </a:r>
           </a:p>
           <a:p>
@@ -2179,7 +2456,7 @@
                 <a:effectLst/>
                 <a:latin typeface="Consolas" panose="020B0609020204030204" pitchFamily="49" charset="0"/>
               </a:rPr>
-              <a:t> How to use Machine Roles to configure which tasks get executed on each Deployment Target within each environment. </a:t>
+              <a:t> How to use Target Roles to configure which tasks get executed on each Deployment Target within each Environment. </a:t>
             </a:r>
           </a:p>
           <a:p>
@@ -2195,7 +2472,7 @@
                 <a:effectLst/>
                 <a:latin typeface="Consolas" panose="020B0609020204030204" pitchFamily="49" charset="0"/>
               </a:rPr>
-              <a:t>- And advice on Machine Role and Deployment Target naming conventions.</a:t>
+              <a:t>- And advice on Deployment Target and Target Role naming conventions.</a:t>
             </a:r>
           </a:p>
           <a:p>
@@ -2431,7 +2708,7 @@
                 <a:effectLst/>
                 <a:latin typeface="Consolas" panose="020B0609020204030204" pitchFamily="49" charset="0"/>
               </a:rPr>
-              <a:t>…where your application gets deployed. </a:t>
+              <a:t>…where you host your stuff. </a:t>
             </a:r>
           </a:p>
           <a:p>
@@ -2580,7 +2857,7 @@
                 <a:effectLst/>
                 <a:latin typeface="Consolas" panose="020B0609020204030204" pitchFamily="49" charset="0"/>
               </a:rPr>
-              <a:t>…this might be a physical or virtual machine running in AWS, Azure, GCP, or your own data centre. </a:t>
+              <a:t>…this might be a physical or virtual machine running in AWS, Azure, GCP, or on your own bare metal. </a:t>
             </a:r>
           </a:p>
           <a:p>
@@ -2670,7 +2947,7 @@
                 <a:effectLst/>
                 <a:latin typeface="Consolas" panose="020B0609020204030204" pitchFamily="49" charset="0"/>
               </a:rPr>
-              <a:t>Octopus also has native support for various Platform-As-A-Service endpoints, such as Azure Web Apps or AWS ECS Clusters.</a:t>
+              <a:t>Octopus also has native support for various Platform-as-a-Service endpoints, such as Azure Web Apps or AWS ECS Clusters.</a:t>
             </a:r>
           </a:p>
           <a:p>
@@ -2760,7 +3037,7 @@
                 <a:effectLst/>
                 <a:latin typeface="Consolas" panose="020B0609020204030204" pitchFamily="49" charset="0"/>
               </a:rPr>
-              <a:t>You can also set up either a Kubernetes Cluster </a:t>
+              <a:t>You can also set up either a Kubernetes Cluster…</a:t>
             </a:r>
           </a:p>
           <a:p>
@@ -2850,7 +3127,7 @@
                 <a:effectLst/>
                 <a:latin typeface="Consolas" panose="020B0609020204030204" pitchFamily="49" charset="0"/>
               </a:rPr>
-              <a:t>or a specific Cloud Region as a Deployment Target.</a:t>
+              <a:t>…or a specific Cloud Region as a Deployment Target.</a:t>
             </a:r>
           </a:p>
           <a:p>
@@ -2940,7 +3217,7 @@
                 <a:effectLst/>
                 <a:latin typeface="Consolas" panose="020B0609020204030204" pitchFamily="49" charset="0"/>
               </a:rPr>
-              <a:t>Finally, where direct connections are impossible, Octopus supports offline package drops, enabling targets to pull the latest updates on their own schedule, without granting any access to Octopus Deploy.</a:t>
+              <a:t>Finally, where direct connections are impossible, for example when deploying to customers who manage their own infrastructure, Octopus supports Offline Package Drops. This enables systems to pull the latest updates, without granting Octopus any access to wherever it is that the stuff is hosted.</a:t>
             </a:r>
           </a:p>
           <a:p>
@@ -2999,8 +3276,36 @@
                 <a:effectLst/>
                 <a:latin typeface="Consolas" panose="020B0609020204030204" pitchFamily="49" charset="0"/>
               </a:rPr>
-              <a:t>In this case we have six VMs…</a:t>
-            </a:r>
+              <a:t>Let’s look at an example…</a:t>
+            </a:r>
+          </a:p>
+          <a:p>
+            <a:pPr marL="0" marR="0" lvl="0" indent="0" algn="l" defTabSz="914400" rtl="0" eaLnBrk="1" fontAlgn="auto" latinLnBrk="0" hangingPunct="1">
+              <a:lnSpc>
+                <a:spcPct val="100000"/>
+              </a:lnSpc>
+              <a:spcBef>
+                <a:spcPts val="0"/>
+              </a:spcBef>
+              <a:spcAft>
+                <a:spcPts val="0"/>
+              </a:spcAft>
+              <a:buClr>
+                <a:srgbClr val="000000"/>
+              </a:buClr>
+              <a:buSzPts val="1100"/>
+              <a:buFont typeface="Arial"/>
+              <a:buNone/>
+              <a:tabLst/>
+              <a:defRPr/>
+            </a:pPr>
+            <a:endParaRPr lang="en-GB" b="0" dirty="0">
+              <a:solidFill>
+                <a:srgbClr val="D4D4D4"/>
+              </a:solidFill>
+              <a:effectLst/>
+              <a:latin typeface="Consolas" panose="020B0609020204030204" pitchFamily="49" charset="0"/>
+            </a:endParaRPr>
           </a:p>
           <a:p>
             <a:pPr marL="0" lvl="0" indent="0" algn="l" rtl="0">
@@ -3139,7 +3444,7 @@
                 <a:effectLst/>
                 <a:latin typeface="Consolas" panose="020B0609020204030204" pitchFamily="49" charset="0"/>
               </a:rPr>
-              <a:t>In this case we have six VMs…</a:t>
+              <a:t>Let’s look at an example…</a:t>
             </a:r>
           </a:p>
           <a:p>
@@ -3198,7 +3503,7 @@
                 <a:effectLst/>
                 <a:latin typeface="Consolas" panose="020B0609020204030204" pitchFamily="49" charset="0"/>
               </a:rPr>
-              <a:t>…running in Amazon EC2.</a:t>
+              <a:t>…In this case we have six VMs running either Windows, Linux or MacOS. Each VM in my estate has been configured to perform a specific task, whether that be load balancing, web hosting, or data management.</a:t>
             </a:r>
           </a:p>
           <a:p>
@@ -3257,20 +3562,8 @@
                 <a:effectLst/>
                 <a:latin typeface="Consolas" panose="020B0609020204030204" pitchFamily="49" charset="0"/>
               </a:rPr>
-              <a:t>We are using Windows instances to host our dotnet core web apps and Linux instances to host SQL Server and our load balancer. Typically, for simplicity, in Octopus we'll name our Targets after their respective machine names.</a:t>
-            </a:r>
-          </a:p>
-          <a:p>
-            <a:pPr marL="0" lvl="0" indent="0" algn="l" rtl="0">
-              <a:spcBef>
-                <a:spcPts val="0"/>
-              </a:spcBef>
-              <a:spcAft>
-                <a:spcPts val="0"/>
-              </a:spcAft>
-              <a:buNone/>
-            </a:pPr>
-            <a:endParaRPr dirty="0"/>
+              <a:t>These VMs are my Deployment Targets…</a:t>
+            </a:r>
           </a:p>
         </p:txBody>
       </p:sp>
@@ -3397,7 +3690,66 @@
                 <a:effectLst/>
                 <a:latin typeface="Consolas" panose="020B0609020204030204" pitchFamily="49" charset="0"/>
               </a:rPr>
-              <a:t>As discussed in the previous class, targets are organised into one or more Environments, such as "Development" or "Production". </a:t>
+              <a:t>These VMs are my Deployment Targets…</a:t>
+            </a:r>
+          </a:p>
+          <a:p>
+            <a:pPr marL="0" marR="0" lvl="0" indent="0" algn="l" defTabSz="914400" rtl="0" eaLnBrk="1" fontAlgn="auto" latinLnBrk="0" hangingPunct="1">
+              <a:lnSpc>
+                <a:spcPct val="100000"/>
+              </a:lnSpc>
+              <a:spcBef>
+                <a:spcPts val="0"/>
+              </a:spcBef>
+              <a:spcAft>
+                <a:spcPts val="0"/>
+              </a:spcAft>
+              <a:buClr>
+                <a:srgbClr val="000000"/>
+              </a:buClr>
+              <a:buSzPts val="1100"/>
+              <a:buFont typeface="Arial"/>
+              <a:buNone/>
+              <a:tabLst/>
+              <a:defRPr/>
+            </a:pPr>
+            <a:endParaRPr lang="en-GB" b="0" dirty="0">
+              <a:solidFill>
+                <a:srgbClr val="D4D4D4"/>
+              </a:solidFill>
+              <a:effectLst/>
+              <a:latin typeface="Consolas" panose="020B0609020204030204" pitchFamily="49" charset="0"/>
+            </a:endParaRPr>
+          </a:p>
+          <a:p>
+            <a:pPr marL="0" marR="0" lvl="0" indent="0" algn="l" defTabSz="914400" rtl="0" eaLnBrk="1" fontAlgn="auto" latinLnBrk="0" hangingPunct="1">
+              <a:lnSpc>
+                <a:spcPct val="100000"/>
+              </a:lnSpc>
+              <a:spcBef>
+                <a:spcPts val="0"/>
+              </a:spcBef>
+              <a:spcAft>
+                <a:spcPts val="0"/>
+              </a:spcAft>
+              <a:buClr>
+                <a:srgbClr val="000000"/>
+              </a:buClr>
+              <a:buSzPts val="1100"/>
+              <a:buFont typeface="Arial"/>
+              <a:buNone/>
+              <a:tabLst/>
+              <a:defRPr/>
+            </a:pPr>
+            <a:r>
+              <a:rPr lang="en-GB" b="0" dirty="0">
+                <a:solidFill>
+                  <a:srgbClr val="D4D4D4"/>
+                </a:solidFill>
+                <a:effectLst/>
+                <a:latin typeface="Consolas" panose="020B0609020204030204" pitchFamily="49" charset="0"/>
+              </a:rPr>
+              <a:t>As discussed in the previous class, Deployment Targets are assigned to one or more Environments, such as "Development" or "Production".</a:t>
             </a:r>
           </a:p>
           <a:p>
@@ -3537,7 +3889,7 @@
                 <a:effectLst/>
                 <a:latin typeface="Consolas" panose="020B0609020204030204" pitchFamily="49" charset="0"/>
               </a:rPr>
-              <a:t>We use Machine Roles to define what each Target within an Environment is responsible for.</a:t>
+              <a:t>We use Roles to define what each Target within an Environment is responsible for.</a:t>
             </a:r>
           </a:p>
           <a:p>
@@ -3596,7 +3948,7 @@
                 <a:effectLst/>
                 <a:latin typeface="Consolas" panose="020B0609020204030204" pitchFamily="49" charset="0"/>
               </a:rPr>
-              <a:t>For example, in this case we have a SQL Server instance in each of our Dev and Test environments. We also have a few web servers, with the production web servers sitting behind a load balancer.</a:t>
+              <a:t>For example, in this case we have our database instance in each of our Dev and Test environments. We also have a few web servers, with the production web servers sitting behind a load balancer.</a:t>
             </a:r>
           </a:p>
           <a:p>
@@ -3655,8 +4007,95 @@
                 <a:effectLst/>
                 <a:latin typeface="Consolas" panose="020B0609020204030204" pitchFamily="49" charset="0"/>
               </a:rPr>
-              <a:t>We've assigned the various servers the appropriate Machine Roles so that Octopus knows which parts of the deployment need to be executed against each Target Machine, within each environment.</a:t>
-            </a:r>
+              <a:t>We've assigned the various servers the appropriate Target Roles so that Octopus knows which parts of the deployment need to be executed against each Deployment Target, within each Environment.</a:t>
+            </a:r>
+          </a:p>
+          <a:p>
+            <a:pPr marL="0" marR="0" lvl="0" indent="0" algn="l" defTabSz="914400" rtl="0" eaLnBrk="1" fontAlgn="auto" latinLnBrk="0" hangingPunct="1">
+              <a:lnSpc>
+                <a:spcPct val="100000"/>
+              </a:lnSpc>
+              <a:spcBef>
+                <a:spcPts val="0"/>
+              </a:spcBef>
+              <a:spcAft>
+                <a:spcPts val="0"/>
+              </a:spcAft>
+              <a:buClr>
+                <a:srgbClr val="000000"/>
+              </a:buClr>
+              <a:buSzPts val="1100"/>
+              <a:buFont typeface="Arial"/>
+              <a:buNone/>
+              <a:tabLst/>
+              <a:defRPr/>
+            </a:pPr>
+            <a:endParaRPr lang="en-GB" b="0" dirty="0">
+              <a:solidFill>
+                <a:srgbClr val="D4D4D4"/>
+              </a:solidFill>
+              <a:effectLst/>
+              <a:latin typeface="Consolas" panose="020B0609020204030204" pitchFamily="49" charset="0"/>
+            </a:endParaRPr>
+          </a:p>
+          <a:p>
+            <a:pPr marL="0" marR="0" lvl="0" indent="0" algn="l" defTabSz="914400" rtl="0" eaLnBrk="1" fontAlgn="auto" latinLnBrk="0" hangingPunct="1">
+              <a:lnSpc>
+                <a:spcPct val="100000"/>
+              </a:lnSpc>
+              <a:spcBef>
+                <a:spcPts val="0"/>
+              </a:spcBef>
+              <a:spcAft>
+                <a:spcPts val="0"/>
+              </a:spcAft>
+              <a:buClr>
+                <a:srgbClr val="000000"/>
+              </a:buClr>
+              <a:buSzPts val="1100"/>
+              <a:buFont typeface="Arial"/>
+              <a:buNone/>
+              <a:tabLst/>
+              <a:defRPr/>
+            </a:pPr>
+            <a:r>
+              <a:rPr lang="en-GB" b="0" dirty="0">
+                <a:solidFill>
+                  <a:srgbClr val="D4D4D4"/>
+                </a:solidFill>
+                <a:effectLst/>
+                <a:latin typeface="Consolas" panose="020B0609020204030204" pitchFamily="49" charset="0"/>
+              </a:rPr>
+              <a:t>For example, in this scenario, if we were to deploy our website to the production Environment…</a:t>
+            </a:r>
+          </a:p>
+          <a:p>
+            <a:pPr marL="0" marR="0" lvl="0" indent="0" algn="l" defTabSz="914400" rtl="0" eaLnBrk="1" fontAlgn="auto" latinLnBrk="0" hangingPunct="1">
+              <a:lnSpc>
+                <a:spcPct val="100000"/>
+              </a:lnSpc>
+              <a:spcBef>
+                <a:spcPts val="0"/>
+              </a:spcBef>
+              <a:spcAft>
+                <a:spcPts val="0"/>
+              </a:spcAft>
+              <a:buClr>
+                <a:srgbClr val="000000"/>
+              </a:buClr>
+              <a:buSzPts val="1100"/>
+              <a:buFont typeface="Arial"/>
+              <a:buNone/>
+              <a:tabLst/>
+              <a:defRPr/>
+            </a:pPr>
+            <a:endParaRPr lang="en-GB" b="0" dirty="0">
+              <a:solidFill>
+                <a:srgbClr val="D4D4D4"/>
+              </a:solidFill>
+              <a:effectLst/>
+              <a:latin typeface="Consolas" panose="020B0609020204030204" pitchFamily="49" charset="0"/>
+            </a:endParaRPr>
           </a:p>
           <a:p>
             <a:pPr marL="0" lvl="0" indent="0" algn="l" rtl="0">
@@ -3827,6 +4266,65 @@
             </a:endParaRPr>
           </a:p>
           <a:p>
+            <a:pPr marL="0" marR="0" lvl="0" indent="0" algn="l" defTabSz="914400" rtl="0" eaLnBrk="1" fontAlgn="auto" latinLnBrk="0" hangingPunct="1">
+              <a:lnSpc>
+                <a:spcPct val="100000"/>
+              </a:lnSpc>
+              <a:spcBef>
+                <a:spcPts val="0"/>
+              </a:spcBef>
+              <a:spcAft>
+                <a:spcPts val="0"/>
+              </a:spcAft>
+              <a:buClr>
+                <a:srgbClr val="000000"/>
+              </a:buClr>
+              <a:buSzPts val="1100"/>
+              <a:buFont typeface="Arial"/>
+              <a:buNone/>
+              <a:tabLst/>
+              <a:defRPr/>
+            </a:pPr>
+            <a:r>
+              <a:rPr lang="en-GB" b="0" dirty="0">
+                <a:solidFill>
+                  <a:srgbClr val="D4D4D4"/>
+                </a:solidFill>
+                <a:effectLst/>
+                <a:latin typeface="Consolas" panose="020B0609020204030204" pitchFamily="49" charset="0"/>
+              </a:rPr>
+              <a:t>…Octopus would know that the website would need to be deployed to Targets Web02 and Web03…</a:t>
+            </a:r>
+          </a:p>
+          <a:p>
+            <a:pPr marL="0" marR="0" lvl="0" indent="0" algn="l" defTabSz="914400" rtl="0" eaLnBrk="1" fontAlgn="auto" latinLnBrk="0" hangingPunct="1">
+              <a:lnSpc>
+                <a:spcPct val="100000"/>
+              </a:lnSpc>
+              <a:spcBef>
+                <a:spcPts val="0"/>
+              </a:spcBef>
+              <a:spcAft>
+                <a:spcPts val="0"/>
+              </a:spcAft>
+              <a:buClr>
+                <a:srgbClr val="000000"/>
+              </a:buClr>
+              <a:buSzPts val="1100"/>
+              <a:buFont typeface="Arial"/>
+              <a:buNone/>
+              <a:tabLst/>
+              <a:defRPr/>
+            </a:pPr>
+            <a:endParaRPr lang="en-GB" b="0" dirty="0">
+              <a:solidFill>
+                <a:srgbClr val="D4D4D4"/>
+              </a:solidFill>
+              <a:effectLst/>
+              <a:latin typeface="Consolas" panose="020B0609020204030204" pitchFamily="49" charset="0"/>
+            </a:endParaRPr>
+          </a:p>
+          <a:p>
             <a:pPr marL="0" lvl="0" indent="0" algn="l" rtl="0">
               <a:spcBef>
                 <a:spcPts val="0"/>
@@ -3843,7 +4341,7 @@
     </p:spTree>
     <p:extLst>
       <p:ext uri="{BB962C8B-B14F-4D97-AF65-F5344CB8AC3E}">
-        <p14:creationId xmlns:p14="http://schemas.microsoft.com/office/powerpoint/2010/main" val="173717670"/>
+        <p14:creationId xmlns:p14="http://schemas.microsoft.com/office/powerpoint/2010/main" val="3065069229"/>
       </p:ext>
     </p:extLst>
   </p:cSld>
@@ -3963,7 +4461,7 @@
                 <a:effectLst/>
                 <a:latin typeface="Consolas" panose="020B0609020204030204" pitchFamily="49" charset="0"/>
               </a:rPr>
-              <a:t>For example, in this scenario, if we were to deploy our website to the production Environment…</a:t>
+              <a:t>Targets Web02 and Web03…</a:t>
             </a:r>
           </a:p>
           <a:p>
@@ -4022,7 +4520,7 @@
                 <a:effectLst/>
                 <a:latin typeface="Consolas" panose="020B0609020204030204" pitchFamily="49" charset="0"/>
               </a:rPr>
-              <a:t>…Octopus would know that the website would need to be deployed to Targets Web02 and Web03, and any database updates would need to be executed on DB02.</a:t>
+              <a:t>… and any database updates would need to be executed on DB02.</a:t>
             </a:r>
           </a:p>
           <a:p>
@@ -4085,7 +4583,7 @@
     </p:spTree>
     <p:extLst>
       <p:ext uri="{BB962C8B-B14F-4D97-AF65-F5344CB8AC3E}">
-        <p14:creationId xmlns:p14="http://schemas.microsoft.com/office/powerpoint/2010/main" val="1222898710"/>
+        <p14:creationId xmlns:p14="http://schemas.microsoft.com/office/powerpoint/2010/main" val="1556772998"/>
       </p:ext>
     </p:extLst>
   </p:cSld>
@@ -4264,7 +4762,7 @@
                 <a:effectLst/>
                 <a:latin typeface="Consolas" panose="020B0609020204030204" pitchFamily="49" charset="0"/>
               </a:rPr>
-              <a:t>… Imagine we wanted to use Octopus to manage the deployments for both our website and our documentation pages.</a:t>
+              <a:t>… Imagine we wanted to use Octopus to manage the deployments for multiple independent sites. For example, let’s imagine we have a company website, and a documentation site.</a:t>
             </a:r>
           </a:p>
           <a:p>
@@ -4323,12 +4821,28 @@
                 <a:effectLst/>
                 <a:latin typeface="Consolas" panose="020B0609020204030204" pitchFamily="49" charset="0"/>
               </a:rPr>
-              <a:t>These are managed as independent projects and need to be deployed to different target machines. </a:t>
-            </a:r>
-          </a:p>
-          <a:p>
-            <a:pPr marL="158750" indent="0">
-              <a:buNone/>
+              <a:t>These independent sites use a mix of dedicated and shared infrastructure….</a:t>
+            </a:r>
+          </a:p>
+          <a:p>
+            <a:pPr marL="0" marR="0" lvl="0" indent="0" algn="l" defTabSz="914400" rtl="0" eaLnBrk="1" fontAlgn="auto" latinLnBrk="0" hangingPunct="1">
+              <a:lnSpc>
+                <a:spcPct val="100000"/>
+              </a:lnSpc>
+              <a:spcBef>
+                <a:spcPts val="0"/>
+              </a:spcBef>
+              <a:spcAft>
+                <a:spcPts val="0"/>
+              </a:spcAft>
+              <a:buClr>
+                <a:srgbClr val="000000"/>
+              </a:buClr>
+              <a:buSzPts val="1100"/>
+              <a:buFont typeface="Arial"/>
+              <a:buNone/>
+              <a:tabLst/>
+              <a:defRPr/>
             </a:pPr>
             <a:endParaRPr lang="en-GB" b="0" dirty="0">
               <a:solidFill>
@@ -4339,23 +4853,24 @@
             </a:endParaRPr>
           </a:p>
           <a:p>
-            <a:pPr marL="158750" indent="0">
-              <a:buNone/>
-            </a:pPr>
-            <a:r>
-              <a:rPr lang="en-GB" b="0" dirty="0">
-                <a:solidFill>
-                  <a:srgbClr val="D4D4D4"/>
-                </a:solidFill>
-                <a:effectLst/>
-                <a:latin typeface="Consolas" panose="020B0609020204030204" pitchFamily="49" charset="0"/>
-              </a:rPr>
-              <a:t>This example demonstrates the value of defining a standard naming convention for Machine Roles that incorporates both the Project Name, as well as the type of server. For example, website-webserver or docs-database. Note that Deployment Targets can have multiple Machine Roles.</a:t>
-            </a:r>
-          </a:p>
-          <a:p>
-            <a:pPr marL="158750" indent="0">
-              <a:buNone/>
+            <a:pPr marL="0" marR="0" lvl="0" indent="0" algn="l" defTabSz="914400" rtl="0" eaLnBrk="1" fontAlgn="auto" latinLnBrk="0" hangingPunct="1">
+              <a:lnSpc>
+                <a:spcPct val="100000"/>
+              </a:lnSpc>
+              <a:spcBef>
+                <a:spcPts val="0"/>
+              </a:spcBef>
+              <a:spcAft>
+                <a:spcPts val="0"/>
+              </a:spcAft>
+              <a:buClr>
+                <a:srgbClr val="000000"/>
+              </a:buClr>
+              <a:buSzPts val="1100"/>
+              <a:buFont typeface="Arial"/>
+              <a:buNone/>
+              <a:tabLst/>
+              <a:defRPr/>
             </a:pPr>
             <a:endParaRPr lang="en-GB" b="0" dirty="0">
               <a:solidFill>
@@ -4366,77 +4881,6 @@
             </a:endParaRPr>
           </a:p>
           <a:p>
-            <a:pPr marL="158750" marR="0" lvl="0" indent="0" algn="l" defTabSz="914400" rtl="0" eaLnBrk="1" fontAlgn="auto" latinLnBrk="0" hangingPunct="1">
-              <a:lnSpc>
-                <a:spcPct val="100000"/>
-              </a:lnSpc>
-              <a:spcBef>
-                <a:spcPts val="0"/>
-              </a:spcBef>
-              <a:spcAft>
-                <a:spcPts val="0"/>
-              </a:spcAft>
-              <a:buClr>
-                <a:srgbClr val="000000"/>
-              </a:buClr>
-              <a:buSzPts val="1100"/>
-              <a:buFont typeface="Arial"/>
-              <a:buNone/>
-              <a:tabLst/>
-              <a:defRPr/>
-            </a:pPr>
-            <a:r>
-              <a:rPr lang="en-GB" b="0" dirty="0">
-                <a:solidFill>
-                  <a:srgbClr val="D4D4D4"/>
-                </a:solidFill>
-                <a:effectLst/>
-                <a:latin typeface="Consolas" panose="020B0609020204030204" pitchFamily="49" charset="0"/>
-              </a:rPr>
-              <a:t>Furthermore, Octopus Deploy isn't only a deployment tool…</a:t>
-            </a:r>
-          </a:p>
-          <a:p>
-            <a:pPr marL="158750" indent="0">
-              <a:buNone/>
-            </a:pPr>
-            <a:endParaRPr lang="en-GB" b="0" dirty="0">
-              <a:solidFill>
-                <a:srgbClr val="D4D4D4"/>
-              </a:solidFill>
-              <a:effectLst/>
-              <a:latin typeface="Consolas" panose="020B0609020204030204" pitchFamily="49" charset="0"/>
-            </a:endParaRPr>
-          </a:p>
-          <a:p>
-            <a:pPr marL="0" marR="0" lvl="0" indent="0" algn="l" defTabSz="914400" rtl="0" eaLnBrk="1" fontAlgn="auto" latinLnBrk="0" hangingPunct="1">
-              <a:lnSpc>
-                <a:spcPct val="100000"/>
-              </a:lnSpc>
-              <a:spcBef>
-                <a:spcPts val="0"/>
-              </a:spcBef>
-              <a:spcAft>
-                <a:spcPts val="0"/>
-              </a:spcAft>
-              <a:buClr>
-                <a:srgbClr val="000000"/>
-              </a:buClr>
-              <a:buSzPts val="1100"/>
-              <a:buFont typeface="Arial"/>
-              <a:buNone/>
-              <a:tabLst/>
-              <a:defRPr/>
-            </a:pPr>
-            <a:endParaRPr lang="en-GB" b="0" dirty="0">
-              <a:solidFill>
-                <a:srgbClr val="D4D4D4"/>
-              </a:solidFill>
-              <a:effectLst/>
-              <a:latin typeface="Consolas" panose="020B0609020204030204" pitchFamily="49" charset="0"/>
-            </a:endParaRPr>
-          </a:p>
-          <a:p>
             <a:pPr marL="0" lvl="0" indent="0" algn="l" rtl="0">
               <a:spcBef>
                 <a:spcPts val="0"/>
@@ -4453,7 +4897,7 @@
     </p:spTree>
     <p:extLst>
       <p:ext uri="{BB962C8B-B14F-4D97-AF65-F5344CB8AC3E}">
-        <p14:creationId xmlns:p14="http://schemas.microsoft.com/office/powerpoint/2010/main" val="3590385417"/>
+        <p14:creationId xmlns:p14="http://schemas.microsoft.com/office/powerpoint/2010/main" val="1966669550"/>
       </p:ext>
     </p:extLst>
   </p:cSld>
@@ -9222,7 +9666,7 @@
             <a:pPr algn="ctr"/>
             <a:r>
               <a:rPr lang="en-GB" sz="3600" b="1" dirty="0"/>
-              <a:t>Understanding Deployment Targets and Machine Roles</a:t>
+              <a:t>Understanding Deployment Targets and Target Roles</a:t>
             </a:r>
           </a:p>
         </p:txBody>
@@ -9513,20 +9957,6 @@
               <a:latin typeface="Consolas" panose="020B0609020204030204" pitchFamily="49" charset="0"/>
             </a:endParaRPr>
           </a:p>
-          <a:p>
-            <a:r>
-              <a:rPr lang="en-GB" sz="1100" dirty="0">
-                <a:solidFill>
-                  <a:schemeClr val="accent6">
-                    <a:lumMod val="60000"/>
-                    <a:lumOff val="40000"/>
-                  </a:schemeClr>
-                </a:solidFill>
-                <a:latin typeface="Consolas" panose="020B0609020204030204" pitchFamily="49" charset="0"/>
-              </a:rPr>
-              <a:t>IIS</a:t>
-            </a:r>
-          </a:p>
         </p:txBody>
       </p:sp>
       <p:sp>
@@ -9629,20 +10059,6 @@
             </a:r>
           </a:p>
           <a:p>
-            <a:r>
-              <a:rPr lang="en-GB" sz="1100" dirty="0">
-                <a:solidFill>
-                  <a:schemeClr val="accent6">
-                    <a:lumMod val="60000"/>
-                    <a:lumOff val="40000"/>
-                  </a:schemeClr>
-                </a:solidFill>
-                <a:latin typeface="Consolas" panose="020B0609020204030204" pitchFamily="49" charset="0"/>
-              </a:rPr>
-              <a:t>MSSQL</a:t>
-            </a:r>
-          </a:p>
-          <a:p>
             <a:endParaRPr lang="en-GB" sz="1100" dirty="0">
               <a:latin typeface="Consolas" panose="020B0609020204030204" pitchFamily="49" charset="0"/>
             </a:endParaRPr>
@@ -9750,20 +10166,6 @@
             </a:endParaRPr>
           </a:p>
           <a:p>
-            <a:r>
-              <a:rPr lang="en-GB" sz="1100" dirty="0">
-                <a:solidFill>
-                  <a:schemeClr val="accent6">
-                    <a:lumMod val="60000"/>
-                    <a:lumOff val="40000"/>
-                  </a:schemeClr>
-                </a:solidFill>
-                <a:latin typeface="Consolas" panose="020B0609020204030204" pitchFamily="49" charset="0"/>
-              </a:rPr>
-              <a:t>IIS</a:t>
-            </a:r>
-          </a:p>
-          <a:p>
             <a:endParaRPr lang="en-GB" sz="1100" dirty="0">
               <a:latin typeface="Consolas" panose="020B0609020204030204" pitchFamily="49" charset="0"/>
             </a:endParaRPr>
@@ -9870,20 +10272,6 @@
             </a:r>
           </a:p>
           <a:p>
-            <a:r>
-              <a:rPr lang="en-GB" sz="1100" dirty="0">
-                <a:solidFill>
-                  <a:schemeClr val="accent6">
-                    <a:lumMod val="60000"/>
-                    <a:lumOff val="40000"/>
-                  </a:schemeClr>
-                </a:solidFill>
-                <a:latin typeface="Consolas" panose="020B0609020204030204" pitchFamily="49" charset="0"/>
-              </a:rPr>
-              <a:t>MSSQL</a:t>
-            </a:r>
-          </a:p>
-          <a:p>
             <a:endParaRPr lang="en-GB" sz="1100" dirty="0">
               <a:latin typeface="Consolas" panose="020B0609020204030204" pitchFamily="49" charset="0"/>
             </a:endParaRPr>
@@ -9966,23 +10354,61 @@
           </a:p>
           <a:p>
             <a:r>
-              <a:rPr lang="en-GB" sz="1100" dirty="0" err="1">
+              <a:rPr lang="en-GB" sz="1100" dirty="0">
                 <a:solidFill>
-                  <a:schemeClr val="accent6">
+                  <a:schemeClr val="accent4">
                     <a:lumMod val="60000"/>
                     <a:lumOff val="40000"/>
                   </a:schemeClr>
                 </a:solidFill>
                 <a:latin typeface="Consolas" panose="020B0609020204030204" pitchFamily="49" charset="0"/>
               </a:rPr>
-              <a:t>LoadBalancer</a:t>
+              <a:t>Docs-</a:t>
+            </a:r>
+            <a:r>
+              <a:rPr lang="en-GB" sz="1100" dirty="0" err="1">
+                <a:solidFill>
+                  <a:schemeClr val="accent4">
+                    <a:lumMod val="60000"/>
+                    <a:lumOff val="40000"/>
+                  </a:schemeClr>
+                </a:solidFill>
+                <a:latin typeface="Consolas" panose="020B0609020204030204" pitchFamily="49" charset="0"/>
+              </a:rPr>
+              <a:t>LoadBcr</a:t>
             </a:r>
             <a:endParaRPr lang="en-GB" sz="1100" dirty="0">
               <a:solidFill>
-                <a:schemeClr val="accent6">
+                <a:schemeClr val="accent4">
                   <a:lumMod val="60000"/>
                   <a:lumOff val="40000"/>
                 </a:schemeClr>
+              </a:solidFill>
+              <a:latin typeface="Consolas" panose="020B0609020204030204" pitchFamily="49" charset="0"/>
+            </a:endParaRPr>
+          </a:p>
+          <a:p>
+            <a:r>
+              <a:rPr lang="en-GB" sz="1100" dirty="0">
+                <a:solidFill>
+                  <a:schemeClr val="accent6"/>
+                </a:solidFill>
+                <a:latin typeface="Consolas" panose="020B0609020204030204" pitchFamily="49" charset="0"/>
+              </a:rPr>
+              <a:t>Website-</a:t>
+            </a:r>
+            <a:r>
+              <a:rPr lang="en-GB" sz="1100" dirty="0" err="1">
+                <a:solidFill>
+                  <a:schemeClr val="accent6"/>
+                </a:solidFill>
+                <a:latin typeface="Consolas" panose="020B0609020204030204" pitchFamily="49" charset="0"/>
+              </a:rPr>
+              <a:t>LoadBcr</a:t>
+            </a:r>
+            <a:endParaRPr lang="en-GB" sz="1100" dirty="0">
+              <a:solidFill>
+                <a:schemeClr val="accent6"/>
               </a:solidFill>
               <a:latin typeface="Consolas" panose="020B0609020204030204" pitchFamily="49" charset="0"/>
             </a:endParaRPr>
@@ -10095,20 +10521,6 @@
             </a:endParaRPr>
           </a:p>
           <a:p>
-            <a:r>
-              <a:rPr lang="en-GB" sz="1100" dirty="0">
-                <a:solidFill>
-                  <a:schemeClr val="accent6">
-                    <a:lumMod val="60000"/>
-                    <a:lumOff val="40000"/>
-                  </a:schemeClr>
-                </a:solidFill>
-                <a:latin typeface="Consolas" panose="020B0609020204030204" pitchFamily="49" charset="0"/>
-              </a:rPr>
-              <a:t>IIS</a:t>
-            </a:r>
-          </a:p>
-          <a:p>
             <a:endParaRPr lang="en-GB" sz="1100" dirty="0">
               <a:latin typeface="Consolas" panose="020B0609020204030204" pitchFamily="49" charset="0"/>
             </a:endParaRPr>
@@ -10225,20 +10637,6 @@
             </a:endParaRPr>
           </a:p>
           <a:p>
-            <a:r>
-              <a:rPr lang="en-GB" sz="1100" dirty="0">
-                <a:solidFill>
-                  <a:schemeClr val="accent6">
-                    <a:lumMod val="60000"/>
-                    <a:lumOff val="40000"/>
-                  </a:schemeClr>
-                </a:solidFill>
-                <a:latin typeface="Consolas" panose="020B0609020204030204" pitchFamily="49" charset="0"/>
-              </a:rPr>
-              <a:t>IIS</a:t>
-            </a:r>
-          </a:p>
-          <a:p>
             <a:endParaRPr lang="en-GB" sz="1100" dirty="0">
               <a:latin typeface="Consolas" panose="020B0609020204030204" pitchFamily="49" charset="0"/>
             </a:endParaRPr>
@@ -10355,6 +10753,1207 @@
             </a:endParaRPr>
           </a:p>
           <a:p>
+            <a:endParaRPr lang="en-GB" sz="1100" dirty="0">
+              <a:latin typeface="Consolas" panose="020B0609020204030204" pitchFamily="49" charset="0"/>
+            </a:endParaRPr>
+          </a:p>
+        </p:txBody>
+      </p:sp>
+    </p:spTree>
+    <p:extLst>
+      <p:ext uri="{BB962C8B-B14F-4D97-AF65-F5344CB8AC3E}">
+        <p14:creationId xmlns:p14="http://schemas.microsoft.com/office/powerpoint/2010/main" val="3794452265"/>
+      </p:ext>
+    </p:extLst>
+  </p:cSld>
+  <p:clrMapOvr>
+    <a:masterClrMapping/>
+  </p:clrMapOvr>
+  <mc:AlternateContent xmlns:mc="http://schemas.openxmlformats.org/markup-compatibility/2006" xmlns:p14="http://schemas.microsoft.com/office/powerpoint/2010/main">
+    <mc:Choice Requires="p14">
+      <p:transition spd="med" p14:dur="700">
+        <p:fade/>
+      </p:transition>
+    </mc:Choice>
+    <mc:Fallback xmlns="">
+      <p:transition spd="med">
+        <p:fade/>
+      </p:transition>
+    </mc:Fallback>
+  </mc:AlternateContent>
+</p:sld>
+</file>
+
+<file path=ppt/slides/slide11.xml><?xml version="1.0" encoding="utf-8"?>
+<p:sld xmlns:a="http://schemas.openxmlformats.org/drawingml/2006/main" xmlns:r="http://schemas.openxmlformats.org/officeDocument/2006/relationships" xmlns:p="http://schemas.openxmlformats.org/presentationml/2006/main">
+  <p:cSld>
+    <p:spTree>
+      <p:nvGrpSpPr>
+        <p:cNvPr id="1" name="Shape 62"/>
+        <p:cNvGrpSpPr/>
+        <p:nvPr/>
+      </p:nvGrpSpPr>
+      <p:grpSpPr>
+        <a:xfrm>
+          <a:off x="0" y="0"/>
+          <a:ext cx="0" cy="0"/>
+          <a:chOff x="0" y="0"/>
+          <a:chExt cx="0" cy="0"/>
+        </a:xfrm>
+      </p:grpSpPr>
+      <p:sp>
+        <p:nvSpPr>
+          <p:cNvPr id="11" name="Rectangle 10">
+            <a:extLst>
+              <a:ext uri="{FF2B5EF4-FFF2-40B4-BE49-F238E27FC236}">
+                <a16:creationId xmlns:a16="http://schemas.microsoft.com/office/drawing/2014/main" id="{519862C3-E83A-4C62-99F9-C83534AF5FF9}"/>
+              </a:ext>
+            </a:extLst>
+          </p:cNvPr>
+          <p:cNvSpPr/>
+          <p:nvPr/>
+        </p:nvSpPr>
+        <p:spPr>
+          <a:xfrm>
+            <a:off x="3244598" y="748855"/>
+            <a:ext cx="1802747" cy="3542488"/>
+          </a:xfrm>
+          <a:prstGeom prst="rect">
+            <a:avLst/>
+          </a:prstGeom>
+          <a:solidFill>
+            <a:srgbClr val="00B0F0"/>
+          </a:solidFill>
+          <a:ln w="76200">
+            <a:solidFill>
+              <a:schemeClr val="bg1"/>
+            </a:solidFill>
+            <a:miter lim="800000"/>
+          </a:ln>
+        </p:spPr>
+        <p:style>
+          <a:lnRef idx="2">
+            <a:schemeClr val="accent1">
+              <a:shade val="50000"/>
+            </a:schemeClr>
+          </a:lnRef>
+          <a:fillRef idx="1">
+            <a:schemeClr val="accent1"/>
+          </a:fillRef>
+          <a:effectRef idx="0">
+            <a:schemeClr val="accent1"/>
+          </a:effectRef>
+          <a:fontRef idx="minor">
+            <a:schemeClr val="lt1"/>
+          </a:fontRef>
+        </p:style>
+        <p:txBody>
+          <a:bodyPr rtlCol="0" anchor="t"/>
+          <a:lstStyle/>
+          <a:p>
+            <a:r>
+              <a:rPr lang="en-GB" dirty="0">
+                <a:latin typeface="Consolas" panose="020B0609020204030204" pitchFamily="49" charset="0"/>
+              </a:rPr>
+              <a:t>Development</a:t>
+            </a:r>
+          </a:p>
+        </p:txBody>
+      </p:sp>
+      <p:sp>
+        <p:nvSpPr>
+          <p:cNvPr id="10" name="Rectangle 9">
+            <a:extLst>
+              <a:ext uri="{FF2B5EF4-FFF2-40B4-BE49-F238E27FC236}">
+                <a16:creationId xmlns:a16="http://schemas.microsoft.com/office/drawing/2014/main" id="{842D86ED-F733-48C4-A0AD-EA51C4E2B1FA}"/>
+              </a:ext>
+            </a:extLst>
+          </p:cNvPr>
+          <p:cNvSpPr/>
+          <p:nvPr/>
+        </p:nvSpPr>
+        <p:spPr>
+          <a:xfrm>
+            <a:off x="5412904" y="748856"/>
+            <a:ext cx="3419471" cy="3542488"/>
+          </a:xfrm>
+          <a:prstGeom prst="rect">
+            <a:avLst/>
+          </a:prstGeom>
+          <a:solidFill>
+            <a:srgbClr val="00B0F0"/>
+          </a:solidFill>
+          <a:ln w="76200">
+            <a:solidFill>
+              <a:schemeClr val="bg1"/>
+            </a:solidFill>
+            <a:miter lim="800000"/>
+          </a:ln>
+        </p:spPr>
+        <p:style>
+          <a:lnRef idx="2">
+            <a:schemeClr val="accent1">
+              <a:shade val="50000"/>
+            </a:schemeClr>
+          </a:lnRef>
+          <a:fillRef idx="1">
+            <a:schemeClr val="accent1"/>
+          </a:fillRef>
+          <a:effectRef idx="0">
+            <a:schemeClr val="accent1"/>
+          </a:effectRef>
+          <a:fontRef idx="minor">
+            <a:schemeClr val="lt1"/>
+          </a:fontRef>
+        </p:style>
+        <p:txBody>
+          <a:bodyPr rtlCol="0" anchor="t"/>
+          <a:lstStyle/>
+          <a:p>
+            <a:r>
+              <a:rPr lang="en-GB" dirty="0">
+                <a:latin typeface="Consolas" panose="020B0609020204030204" pitchFamily="49" charset="0"/>
+              </a:rPr>
+              <a:t>Production</a:t>
+            </a:r>
+          </a:p>
+        </p:txBody>
+      </p:sp>
+      <p:sp>
+        <p:nvSpPr>
+          <p:cNvPr id="6" name="Rectangle 5">
+            <a:extLst>
+              <a:ext uri="{FF2B5EF4-FFF2-40B4-BE49-F238E27FC236}">
+                <a16:creationId xmlns:a16="http://schemas.microsoft.com/office/drawing/2014/main" id="{A52EC6C7-F134-4FD9-9465-7ABBC3A56F5C}"/>
+              </a:ext>
+            </a:extLst>
+          </p:cNvPr>
+          <p:cNvSpPr/>
+          <p:nvPr/>
+        </p:nvSpPr>
+        <p:spPr>
+          <a:xfrm>
+            <a:off x="3402297" y="2168376"/>
+            <a:ext cx="1487348" cy="917723"/>
+          </a:xfrm>
+          <a:prstGeom prst="rect">
+            <a:avLst/>
+          </a:prstGeom>
+          <a:solidFill>
+            <a:srgbClr val="2F93E0"/>
+          </a:solidFill>
+          <a:ln w="76200">
+            <a:solidFill>
+              <a:schemeClr val="bg1"/>
+            </a:solidFill>
+            <a:miter lim="800000"/>
+          </a:ln>
+        </p:spPr>
+        <p:style>
+          <a:lnRef idx="2">
+            <a:schemeClr val="accent1">
+              <a:shade val="50000"/>
+            </a:schemeClr>
+          </a:lnRef>
+          <a:fillRef idx="1">
+            <a:schemeClr val="accent1"/>
+          </a:fillRef>
+          <a:effectRef idx="0">
+            <a:schemeClr val="accent1"/>
+          </a:effectRef>
+          <a:fontRef idx="minor">
+            <a:schemeClr val="lt1"/>
+          </a:fontRef>
+        </p:style>
+        <p:txBody>
+          <a:bodyPr rtlCol="0" anchor="t"/>
+          <a:lstStyle/>
+          <a:p>
+            <a:r>
+              <a:rPr lang="en-GB" sz="1100" dirty="0">
+                <a:latin typeface="Consolas" panose="020B0609020204030204" pitchFamily="49" charset="0"/>
+              </a:rPr>
+              <a:t>Target: Web01</a:t>
+            </a:r>
+            <a:br>
+              <a:rPr lang="en-GB" sz="1100" dirty="0">
+                <a:latin typeface="Consolas" panose="020B0609020204030204" pitchFamily="49" charset="0"/>
+              </a:rPr>
+            </a:br>
+            <a:r>
+              <a:rPr lang="en-GB" sz="1100" dirty="0">
+                <a:latin typeface="Consolas" panose="020B0609020204030204" pitchFamily="49" charset="0"/>
+              </a:rPr>
+              <a:t>Roles:</a:t>
+            </a:r>
+            <a:r>
+              <a:rPr lang="en-GB" sz="300" dirty="0">
+                <a:latin typeface="Consolas" panose="020B0609020204030204" pitchFamily="49" charset="0"/>
+              </a:rPr>
+              <a:t> </a:t>
+            </a:r>
+            <a:endParaRPr lang="en-GB" sz="1100" dirty="0">
+              <a:latin typeface="Consolas" panose="020B0609020204030204" pitchFamily="49" charset="0"/>
+            </a:endParaRPr>
+          </a:p>
+          <a:p>
+            <a:r>
+              <a:rPr lang="en-GB" sz="1100" dirty="0">
+                <a:solidFill>
+                  <a:schemeClr val="accent6"/>
+                </a:solidFill>
+                <a:latin typeface="Consolas" panose="020B0609020204030204" pitchFamily="49" charset="0"/>
+              </a:rPr>
+              <a:t>Website-</a:t>
+            </a:r>
+            <a:r>
+              <a:rPr lang="en-GB" sz="1100" dirty="0" err="1">
+                <a:solidFill>
+                  <a:schemeClr val="accent6"/>
+                </a:solidFill>
+                <a:latin typeface="Consolas" panose="020B0609020204030204" pitchFamily="49" charset="0"/>
+              </a:rPr>
+              <a:t>WebServer</a:t>
+            </a:r>
+            <a:endParaRPr lang="en-GB" sz="1100" dirty="0">
+              <a:solidFill>
+                <a:schemeClr val="accent6"/>
+              </a:solidFill>
+              <a:latin typeface="Consolas" panose="020B0609020204030204" pitchFamily="49" charset="0"/>
+            </a:endParaRPr>
+          </a:p>
+          <a:p>
+            <a:r>
+              <a:rPr lang="en-GB" sz="1100" dirty="0">
+                <a:solidFill>
+                  <a:schemeClr val="accent4">
+                    <a:lumMod val="60000"/>
+                    <a:lumOff val="40000"/>
+                  </a:schemeClr>
+                </a:solidFill>
+                <a:latin typeface="Consolas" panose="020B0609020204030204" pitchFamily="49" charset="0"/>
+              </a:rPr>
+              <a:t>Docs-</a:t>
+            </a:r>
+            <a:r>
+              <a:rPr lang="en-GB" sz="1100" dirty="0" err="1">
+                <a:solidFill>
+                  <a:schemeClr val="accent4">
+                    <a:lumMod val="60000"/>
+                    <a:lumOff val="40000"/>
+                  </a:schemeClr>
+                </a:solidFill>
+                <a:latin typeface="Consolas" panose="020B0609020204030204" pitchFamily="49" charset="0"/>
+              </a:rPr>
+              <a:t>WebServer</a:t>
+            </a:r>
+            <a:endParaRPr lang="en-GB" sz="1100" dirty="0">
+              <a:solidFill>
+                <a:schemeClr val="accent4">
+                  <a:lumMod val="60000"/>
+                  <a:lumOff val="40000"/>
+                </a:schemeClr>
+              </a:solidFill>
+              <a:latin typeface="Consolas" panose="020B0609020204030204" pitchFamily="49" charset="0"/>
+            </a:endParaRPr>
+          </a:p>
+          <a:p>
+            <a:r>
+              <a:rPr lang="en-GB" sz="1100" dirty="0">
+                <a:solidFill>
+                  <a:schemeClr val="accent6">
+                    <a:lumMod val="60000"/>
+                    <a:lumOff val="40000"/>
+                  </a:schemeClr>
+                </a:solidFill>
+                <a:latin typeface="Consolas" panose="020B0609020204030204" pitchFamily="49" charset="0"/>
+              </a:rPr>
+              <a:t>IIS</a:t>
+            </a:r>
+          </a:p>
+        </p:txBody>
+      </p:sp>
+      <p:sp>
+        <p:nvSpPr>
+          <p:cNvPr id="14" name="Rectangle 13">
+            <a:extLst>
+              <a:ext uri="{FF2B5EF4-FFF2-40B4-BE49-F238E27FC236}">
+                <a16:creationId xmlns:a16="http://schemas.microsoft.com/office/drawing/2014/main" id="{F1286595-B54A-4424-8BFD-87BA8A926ED3}"/>
+              </a:ext>
+            </a:extLst>
+          </p:cNvPr>
+          <p:cNvSpPr/>
+          <p:nvPr/>
+        </p:nvSpPr>
+        <p:spPr>
+          <a:xfrm>
+            <a:off x="3402297" y="3229860"/>
+            <a:ext cx="1487348" cy="917722"/>
+          </a:xfrm>
+          <a:prstGeom prst="rect">
+            <a:avLst/>
+          </a:prstGeom>
+          <a:solidFill>
+            <a:srgbClr val="2F93E0"/>
+          </a:solidFill>
+          <a:ln w="76200">
+            <a:solidFill>
+              <a:schemeClr val="bg1"/>
+            </a:solidFill>
+            <a:miter lim="800000"/>
+          </a:ln>
+        </p:spPr>
+        <p:style>
+          <a:lnRef idx="2">
+            <a:schemeClr val="accent1">
+              <a:shade val="50000"/>
+            </a:schemeClr>
+          </a:lnRef>
+          <a:fillRef idx="1">
+            <a:schemeClr val="accent1"/>
+          </a:fillRef>
+          <a:effectRef idx="0">
+            <a:schemeClr val="accent1"/>
+          </a:effectRef>
+          <a:fontRef idx="minor">
+            <a:schemeClr val="lt1"/>
+          </a:fontRef>
+        </p:style>
+        <p:txBody>
+          <a:bodyPr rtlCol="0" anchor="t"/>
+          <a:lstStyle/>
+          <a:p>
+            <a:r>
+              <a:rPr lang="en-GB" sz="1100" dirty="0">
+                <a:latin typeface="Consolas" panose="020B0609020204030204" pitchFamily="49" charset="0"/>
+              </a:rPr>
+              <a:t>Target: DB01</a:t>
+            </a:r>
+          </a:p>
+          <a:p>
+            <a:r>
+              <a:rPr lang="en-GB" sz="1100" dirty="0">
+                <a:latin typeface="Consolas" panose="020B0609020204030204" pitchFamily="49" charset="0"/>
+              </a:rPr>
+              <a:t>Roles:</a:t>
+            </a:r>
+            <a:r>
+              <a:rPr lang="en-GB" sz="300" dirty="0">
+                <a:latin typeface="Consolas" panose="020B0609020204030204" pitchFamily="49" charset="0"/>
+              </a:rPr>
+              <a:t> </a:t>
+            </a:r>
+            <a:endParaRPr lang="en-GB" sz="1100" dirty="0">
+              <a:latin typeface="Consolas" panose="020B0609020204030204" pitchFamily="49" charset="0"/>
+            </a:endParaRPr>
+          </a:p>
+          <a:p>
+            <a:r>
+              <a:rPr lang="en-GB" sz="1100" dirty="0">
+                <a:solidFill>
+                  <a:schemeClr val="accent6"/>
+                </a:solidFill>
+                <a:latin typeface="Consolas" panose="020B0609020204030204" pitchFamily="49" charset="0"/>
+              </a:rPr>
+              <a:t>Website-Database</a:t>
+            </a:r>
+          </a:p>
+          <a:p>
+            <a:r>
+              <a:rPr lang="en-GB" sz="1100" dirty="0">
+                <a:solidFill>
+                  <a:schemeClr val="accent4">
+                    <a:lumMod val="60000"/>
+                    <a:lumOff val="40000"/>
+                  </a:schemeClr>
+                </a:solidFill>
+                <a:latin typeface="Consolas" panose="020B0609020204030204" pitchFamily="49" charset="0"/>
+              </a:rPr>
+              <a:t>Docs-Database</a:t>
+            </a:r>
+          </a:p>
+          <a:p>
+            <a:r>
+              <a:rPr lang="en-GB" sz="1100" dirty="0">
+                <a:solidFill>
+                  <a:schemeClr val="accent6">
+                    <a:lumMod val="60000"/>
+                    <a:lumOff val="40000"/>
+                  </a:schemeClr>
+                </a:solidFill>
+                <a:latin typeface="Consolas" panose="020B0609020204030204" pitchFamily="49" charset="0"/>
+              </a:rPr>
+              <a:t>MSSQL</a:t>
+            </a:r>
+          </a:p>
+          <a:p>
+            <a:endParaRPr lang="en-GB" sz="1100" dirty="0">
+              <a:latin typeface="Consolas" panose="020B0609020204030204" pitchFamily="49" charset="0"/>
+            </a:endParaRPr>
+          </a:p>
+        </p:txBody>
+      </p:sp>
+      <p:sp>
+        <p:nvSpPr>
+          <p:cNvPr id="16" name="Rectangle 15">
+            <a:extLst>
+              <a:ext uri="{FF2B5EF4-FFF2-40B4-BE49-F238E27FC236}">
+                <a16:creationId xmlns:a16="http://schemas.microsoft.com/office/drawing/2014/main" id="{D6A6DD8B-9E86-418A-B9A3-61C771E192DD}"/>
+              </a:ext>
+            </a:extLst>
+          </p:cNvPr>
+          <p:cNvSpPr/>
+          <p:nvPr/>
+        </p:nvSpPr>
+        <p:spPr>
+          <a:xfrm>
+            <a:off x="5573279" y="2193187"/>
+            <a:ext cx="1487347" cy="892911"/>
+          </a:xfrm>
+          <a:prstGeom prst="rect">
+            <a:avLst/>
+          </a:prstGeom>
+          <a:solidFill>
+            <a:srgbClr val="2F93E0"/>
+          </a:solidFill>
+          <a:ln w="76200">
+            <a:solidFill>
+              <a:schemeClr val="bg1"/>
+            </a:solidFill>
+            <a:miter lim="800000"/>
+          </a:ln>
+        </p:spPr>
+        <p:style>
+          <a:lnRef idx="2">
+            <a:schemeClr val="accent1">
+              <a:shade val="50000"/>
+            </a:schemeClr>
+          </a:lnRef>
+          <a:fillRef idx="1">
+            <a:schemeClr val="accent1"/>
+          </a:fillRef>
+          <a:effectRef idx="0">
+            <a:schemeClr val="accent1"/>
+          </a:effectRef>
+          <a:fontRef idx="minor">
+            <a:schemeClr val="lt1"/>
+          </a:fontRef>
+        </p:style>
+        <p:txBody>
+          <a:bodyPr rtlCol="0" anchor="t"/>
+          <a:lstStyle/>
+          <a:p>
+            <a:r>
+              <a:rPr lang="en-GB" sz="1100" dirty="0">
+                <a:latin typeface="Consolas" panose="020B0609020204030204" pitchFamily="49" charset="0"/>
+              </a:rPr>
+              <a:t>Target: Web02</a:t>
+            </a:r>
+          </a:p>
+          <a:p>
+            <a:r>
+              <a:rPr lang="en-GB" sz="1100" dirty="0">
+                <a:latin typeface="Consolas" panose="020B0609020204030204" pitchFamily="49" charset="0"/>
+              </a:rPr>
+              <a:t>Roles:</a:t>
+            </a:r>
+            <a:r>
+              <a:rPr lang="en-GB" sz="300" dirty="0">
+                <a:latin typeface="Consolas" panose="020B0609020204030204" pitchFamily="49" charset="0"/>
+              </a:rPr>
+              <a:t> </a:t>
+            </a:r>
+            <a:endParaRPr lang="en-GB" sz="1100" dirty="0">
+              <a:latin typeface="Consolas" panose="020B0609020204030204" pitchFamily="49" charset="0"/>
+            </a:endParaRPr>
+          </a:p>
+          <a:p>
+            <a:r>
+              <a:rPr lang="en-GB" sz="1100" dirty="0">
+                <a:solidFill>
+                  <a:schemeClr val="accent6"/>
+                </a:solidFill>
+                <a:latin typeface="Consolas" panose="020B0609020204030204" pitchFamily="49" charset="0"/>
+              </a:rPr>
+              <a:t>Website-</a:t>
+            </a:r>
+            <a:r>
+              <a:rPr lang="en-GB" sz="1100" dirty="0" err="1">
+                <a:solidFill>
+                  <a:schemeClr val="accent6"/>
+                </a:solidFill>
+                <a:latin typeface="Consolas" panose="020B0609020204030204" pitchFamily="49" charset="0"/>
+              </a:rPr>
+              <a:t>WebServer</a:t>
+            </a:r>
+            <a:endParaRPr lang="en-GB" sz="1100" dirty="0">
+              <a:solidFill>
+                <a:schemeClr val="accent6"/>
+              </a:solidFill>
+              <a:latin typeface="Consolas" panose="020B0609020204030204" pitchFamily="49" charset="0"/>
+            </a:endParaRPr>
+          </a:p>
+          <a:p>
+            <a:r>
+              <a:rPr lang="en-GB" sz="1100" dirty="0">
+                <a:solidFill>
+                  <a:schemeClr val="accent6">
+                    <a:lumMod val="60000"/>
+                    <a:lumOff val="40000"/>
+                  </a:schemeClr>
+                </a:solidFill>
+                <a:latin typeface="Consolas" panose="020B0609020204030204" pitchFamily="49" charset="0"/>
+              </a:rPr>
+              <a:t>IIS</a:t>
+            </a:r>
+          </a:p>
+          <a:p>
+            <a:endParaRPr lang="en-GB" sz="1100" dirty="0">
+              <a:latin typeface="Consolas" panose="020B0609020204030204" pitchFamily="49" charset="0"/>
+            </a:endParaRPr>
+          </a:p>
+        </p:txBody>
+      </p:sp>
+      <p:sp>
+        <p:nvSpPr>
+          <p:cNvPr id="20" name="Rectangle 19">
+            <a:extLst>
+              <a:ext uri="{FF2B5EF4-FFF2-40B4-BE49-F238E27FC236}">
+                <a16:creationId xmlns:a16="http://schemas.microsoft.com/office/drawing/2014/main" id="{513DA074-85BA-451C-8499-46871D0C226D}"/>
+              </a:ext>
+            </a:extLst>
+          </p:cNvPr>
+          <p:cNvSpPr/>
+          <p:nvPr/>
+        </p:nvSpPr>
+        <p:spPr>
+          <a:xfrm>
+            <a:off x="5573279" y="3229860"/>
+            <a:ext cx="1487348" cy="917722"/>
+          </a:xfrm>
+          <a:prstGeom prst="rect">
+            <a:avLst/>
+          </a:prstGeom>
+          <a:solidFill>
+            <a:srgbClr val="2F93E0"/>
+          </a:solidFill>
+          <a:ln w="76200">
+            <a:solidFill>
+              <a:schemeClr val="bg1"/>
+            </a:solidFill>
+            <a:miter lim="800000"/>
+          </a:ln>
+        </p:spPr>
+        <p:style>
+          <a:lnRef idx="2">
+            <a:schemeClr val="accent1">
+              <a:shade val="50000"/>
+            </a:schemeClr>
+          </a:lnRef>
+          <a:fillRef idx="1">
+            <a:schemeClr val="accent1"/>
+          </a:fillRef>
+          <a:effectRef idx="0">
+            <a:schemeClr val="accent1"/>
+          </a:effectRef>
+          <a:fontRef idx="minor">
+            <a:schemeClr val="lt1"/>
+          </a:fontRef>
+        </p:style>
+        <p:txBody>
+          <a:bodyPr rtlCol="0" anchor="t"/>
+          <a:lstStyle/>
+          <a:p>
+            <a:r>
+              <a:rPr lang="en-GB" sz="1100" dirty="0">
+                <a:latin typeface="Consolas" panose="020B0609020204030204" pitchFamily="49" charset="0"/>
+              </a:rPr>
+              <a:t>Target: DB02</a:t>
+            </a:r>
+          </a:p>
+          <a:p>
+            <a:r>
+              <a:rPr lang="en-GB" sz="1100" dirty="0">
+                <a:latin typeface="Consolas" panose="020B0609020204030204" pitchFamily="49" charset="0"/>
+              </a:rPr>
+              <a:t>Roles:</a:t>
+            </a:r>
+            <a:r>
+              <a:rPr lang="en-GB" sz="300" dirty="0">
+                <a:latin typeface="Consolas" panose="020B0609020204030204" pitchFamily="49" charset="0"/>
+              </a:rPr>
+              <a:t> </a:t>
+            </a:r>
+            <a:endParaRPr lang="en-GB" sz="1100" dirty="0">
+              <a:latin typeface="Consolas" panose="020B0609020204030204" pitchFamily="49" charset="0"/>
+            </a:endParaRPr>
+          </a:p>
+          <a:p>
+            <a:r>
+              <a:rPr lang="en-GB" sz="1100" dirty="0">
+                <a:solidFill>
+                  <a:schemeClr val="accent6"/>
+                </a:solidFill>
+                <a:latin typeface="Consolas" panose="020B0609020204030204" pitchFamily="49" charset="0"/>
+              </a:rPr>
+              <a:t>Website-Database</a:t>
+            </a:r>
+          </a:p>
+          <a:p>
+            <a:r>
+              <a:rPr lang="en-GB" sz="1100" dirty="0">
+                <a:solidFill>
+                  <a:schemeClr val="accent4">
+                    <a:lumMod val="60000"/>
+                    <a:lumOff val="40000"/>
+                  </a:schemeClr>
+                </a:solidFill>
+                <a:latin typeface="Consolas" panose="020B0609020204030204" pitchFamily="49" charset="0"/>
+              </a:rPr>
+              <a:t>Docs-Database</a:t>
+            </a:r>
+          </a:p>
+          <a:p>
+            <a:r>
+              <a:rPr lang="en-GB" sz="1100" dirty="0">
+                <a:solidFill>
+                  <a:schemeClr val="accent6">
+                    <a:lumMod val="60000"/>
+                    <a:lumOff val="40000"/>
+                  </a:schemeClr>
+                </a:solidFill>
+                <a:latin typeface="Consolas" panose="020B0609020204030204" pitchFamily="49" charset="0"/>
+              </a:rPr>
+              <a:t>MSSQL</a:t>
+            </a:r>
+          </a:p>
+          <a:p>
+            <a:endParaRPr lang="en-GB" sz="1100" dirty="0">
+              <a:latin typeface="Consolas" panose="020B0609020204030204" pitchFamily="49" charset="0"/>
+            </a:endParaRPr>
+          </a:p>
+        </p:txBody>
+      </p:sp>
+      <p:sp>
+        <p:nvSpPr>
+          <p:cNvPr id="22" name="Rectangle 21">
+            <a:extLst>
+              <a:ext uri="{FF2B5EF4-FFF2-40B4-BE49-F238E27FC236}">
+                <a16:creationId xmlns:a16="http://schemas.microsoft.com/office/drawing/2014/main" id="{DD97494B-1626-4738-8168-6E7C62756F91}"/>
+              </a:ext>
+            </a:extLst>
+          </p:cNvPr>
+          <p:cNvSpPr/>
+          <p:nvPr/>
+        </p:nvSpPr>
+        <p:spPr>
+          <a:xfrm>
+            <a:off x="5573279" y="1131395"/>
+            <a:ext cx="1487348" cy="917721"/>
+          </a:xfrm>
+          <a:prstGeom prst="rect">
+            <a:avLst/>
+          </a:prstGeom>
+          <a:solidFill>
+            <a:srgbClr val="2F93E0"/>
+          </a:solidFill>
+          <a:ln w="76200">
+            <a:solidFill>
+              <a:schemeClr val="bg1"/>
+            </a:solidFill>
+            <a:miter lim="800000"/>
+          </a:ln>
+        </p:spPr>
+        <p:style>
+          <a:lnRef idx="2">
+            <a:schemeClr val="accent1">
+              <a:shade val="50000"/>
+            </a:schemeClr>
+          </a:lnRef>
+          <a:fillRef idx="1">
+            <a:schemeClr val="accent1"/>
+          </a:fillRef>
+          <a:effectRef idx="0">
+            <a:schemeClr val="accent1"/>
+          </a:effectRef>
+          <a:fontRef idx="minor">
+            <a:schemeClr val="lt1"/>
+          </a:fontRef>
+        </p:style>
+        <p:txBody>
+          <a:bodyPr rtlCol="0" anchor="t"/>
+          <a:lstStyle/>
+          <a:p>
+            <a:r>
+              <a:rPr lang="en-GB" sz="1100" dirty="0">
+                <a:latin typeface="Consolas" panose="020B0609020204030204" pitchFamily="49" charset="0"/>
+              </a:rPr>
+              <a:t>Target: Load01</a:t>
+            </a:r>
+          </a:p>
+          <a:p>
+            <a:r>
+              <a:rPr lang="en-GB" sz="1100" dirty="0">
+                <a:latin typeface="Consolas" panose="020B0609020204030204" pitchFamily="49" charset="0"/>
+              </a:rPr>
+              <a:t>Roles:</a:t>
+            </a:r>
+            <a:r>
+              <a:rPr lang="en-GB" sz="300" dirty="0">
+                <a:latin typeface="Consolas" panose="020B0609020204030204" pitchFamily="49" charset="0"/>
+              </a:rPr>
+              <a:t> </a:t>
+            </a:r>
+            <a:endParaRPr lang="en-GB" sz="1100" dirty="0">
+              <a:latin typeface="Consolas" panose="020B0609020204030204" pitchFamily="49" charset="0"/>
+            </a:endParaRPr>
+          </a:p>
+          <a:p>
+            <a:r>
+              <a:rPr lang="en-GB" sz="1100" dirty="0">
+                <a:solidFill>
+                  <a:schemeClr val="accent4">
+                    <a:lumMod val="60000"/>
+                    <a:lumOff val="40000"/>
+                  </a:schemeClr>
+                </a:solidFill>
+                <a:latin typeface="Consolas" panose="020B0609020204030204" pitchFamily="49" charset="0"/>
+              </a:rPr>
+              <a:t>Docs-</a:t>
+            </a:r>
+            <a:r>
+              <a:rPr lang="en-GB" sz="1100" dirty="0" err="1">
+                <a:solidFill>
+                  <a:schemeClr val="accent4">
+                    <a:lumMod val="60000"/>
+                    <a:lumOff val="40000"/>
+                  </a:schemeClr>
+                </a:solidFill>
+                <a:latin typeface="Consolas" panose="020B0609020204030204" pitchFamily="49" charset="0"/>
+              </a:rPr>
+              <a:t>LoadBcr</a:t>
+            </a:r>
+            <a:endParaRPr lang="en-GB" sz="1100" dirty="0">
+              <a:solidFill>
+                <a:schemeClr val="accent4">
+                  <a:lumMod val="60000"/>
+                  <a:lumOff val="40000"/>
+                </a:schemeClr>
+              </a:solidFill>
+              <a:latin typeface="Consolas" panose="020B0609020204030204" pitchFamily="49" charset="0"/>
+            </a:endParaRPr>
+          </a:p>
+          <a:p>
+            <a:r>
+              <a:rPr lang="en-GB" sz="1100" dirty="0">
+                <a:solidFill>
+                  <a:schemeClr val="accent6"/>
+                </a:solidFill>
+                <a:latin typeface="Consolas" panose="020B0609020204030204" pitchFamily="49" charset="0"/>
+              </a:rPr>
+              <a:t>Website-</a:t>
+            </a:r>
+            <a:r>
+              <a:rPr lang="en-GB" sz="1100" dirty="0" err="1">
+                <a:solidFill>
+                  <a:schemeClr val="accent6"/>
+                </a:solidFill>
+                <a:latin typeface="Consolas" panose="020B0609020204030204" pitchFamily="49" charset="0"/>
+              </a:rPr>
+              <a:t>LoadBcr</a:t>
+            </a:r>
+            <a:endParaRPr lang="en-GB" sz="1100" dirty="0">
+              <a:solidFill>
+                <a:schemeClr val="accent6">
+                  <a:lumMod val="60000"/>
+                  <a:lumOff val="40000"/>
+                </a:schemeClr>
+              </a:solidFill>
+              <a:latin typeface="Consolas" panose="020B0609020204030204" pitchFamily="49" charset="0"/>
+            </a:endParaRPr>
+          </a:p>
+          <a:p>
+            <a:r>
+              <a:rPr lang="en-GB" sz="1100" dirty="0">
+                <a:solidFill>
+                  <a:schemeClr val="accent6">
+                    <a:lumMod val="60000"/>
+                    <a:lumOff val="40000"/>
+                  </a:schemeClr>
+                </a:solidFill>
+                <a:latin typeface="Consolas" panose="020B0609020204030204" pitchFamily="49" charset="0"/>
+              </a:rPr>
+              <a:t>NGINX</a:t>
+            </a:r>
+          </a:p>
+          <a:p>
+            <a:endParaRPr lang="en-GB" sz="1100" dirty="0">
+              <a:latin typeface="Consolas" panose="020B0609020204030204" pitchFamily="49" charset="0"/>
+            </a:endParaRPr>
+          </a:p>
+        </p:txBody>
+      </p:sp>
+      <p:sp>
+        <p:nvSpPr>
+          <p:cNvPr id="15" name="Rectangle 14">
+            <a:extLst>
+              <a:ext uri="{FF2B5EF4-FFF2-40B4-BE49-F238E27FC236}">
+                <a16:creationId xmlns:a16="http://schemas.microsoft.com/office/drawing/2014/main" id="{6DC02FA3-3743-4A83-A543-8095B39EB49F}"/>
+              </a:ext>
+            </a:extLst>
+          </p:cNvPr>
+          <p:cNvSpPr/>
+          <p:nvPr/>
+        </p:nvSpPr>
+        <p:spPr>
+          <a:xfrm>
+            <a:off x="7189323" y="2193186"/>
+            <a:ext cx="1487347" cy="892911"/>
+          </a:xfrm>
+          <a:prstGeom prst="rect">
+            <a:avLst/>
+          </a:prstGeom>
+          <a:solidFill>
+            <a:srgbClr val="2F93E0"/>
+          </a:solidFill>
+          <a:ln w="76200">
+            <a:solidFill>
+              <a:schemeClr val="bg1"/>
+            </a:solidFill>
+            <a:miter lim="800000"/>
+          </a:ln>
+        </p:spPr>
+        <p:style>
+          <a:lnRef idx="2">
+            <a:schemeClr val="accent1">
+              <a:shade val="50000"/>
+            </a:schemeClr>
+          </a:lnRef>
+          <a:fillRef idx="1">
+            <a:schemeClr val="accent1"/>
+          </a:fillRef>
+          <a:effectRef idx="0">
+            <a:schemeClr val="accent1"/>
+          </a:effectRef>
+          <a:fontRef idx="minor">
+            <a:schemeClr val="lt1"/>
+          </a:fontRef>
+        </p:style>
+        <p:txBody>
+          <a:bodyPr rtlCol="0" anchor="t"/>
+          <a:lstStyle/>
+          <a:p>
+            <a:r>
+              <a:rPr lang="en-GB" sz="1100" dirty="0">
+                <a:latin typeface="Consolas" panose="020B0609020204030204" pitchFamily="49" charset="0"/>
+              </a:rPr>
+              <a:t>Target: Web03</a:t>
+            </a:r>
+          </a:p>
+          <a:p>
+            <a:r>
+              <a:rPr lang="en-GB" sz="1100" dirty="0">
+                <a:latin typeface="Consolas" panose="020B0609020204030204" pitchFamily="49" charset="0"/>
+              </a:rPr>
+              <a:t>Roles:</a:t>
+            </a:r>
+            <a:r>
+              <a:rPr lang="en-GB" sz="300" dirty="0">
+                <a:latin typeface="Consolas" panose="020B0609020204030204" pitchFamily="49" charset="0"/>
+              </a:rPr>
+              <a:t> </a:t>
+            </a:r>
+            <a:endParaRPr lang="en-GB" sz="1100" dirty="0">
+              <a:latin typeface="Consolas" panose="020B0609020204030204" pitchFamily="49" charset="0"/>
+            </a:endParaRPr>
+          </a:p>
+          <a:p>
+            <a:r>
+              <a:rPr lang="en-GB" sz="1100" dirty="0">
+                <a:solidFill>
+                  <a:schemeClr val="accent6"/>
+                </a:solidFill>
+                <a:latin typeface="Consolas" panose="020B0609020204030204" pitchFamily="49" charset="0"/>
+              </a:rPr>
+              <a:t>Website-</a:t>
+            </a:r>
+            <a:r>
+              <a:rPr lang="en-GB" sz="1100" dirty="0" err="1">
+                <a:solidFill>
+                  <a:schemeClr val="accent6"/>
+                </a:solidFill>
+                <a:latin typeface="Consolas" panose="020B0609020204030204" pitchFamily="49" charset="0"/>
+              </a:rPr>
+              <a:t>WebServer</a:t>
+            </a:r>
+            <a:endParaRPr lang="en-GB" sz="1100" dirty="0">
+              <a:solidFill>
+                <a:schemeClr val="accent6"/>
+              </a:solidFill>
+              <a:latin typeface="Consolas" panose="020B0609020204030204" pitchFamily="49" charset="0"/>
+            </a:endParaRPr>
+          </a:p>
+          <a:p>
+            <a:r>
+              <a:rPr lang="en-GB" sz="1100" dirty="0">
+                <a:solidFill>
+                  <a:schemeClr val="accent6">
+                    <a:lumMod val="60000"/>
+                    <a:lumOff val="40000"/>
+                  </a:schemeClr>
+                </a:solidFill>
+                <a:latin typeface="Consolas" panose="020B0609020204030204" pitchFamily="49" charset="0"/>
+              </a:rPr>
+              <a:t>IIS</a:t>
+            </a:r>
+          </a:p>
+          <a:p>
+            <a:endParaRPr lang="en-GB" sz="1100" dirty="0">
+              <a:latin typeface="Consolas" panose="020B0609020204030204" pitchFamily="49" charset="0"/>
+            </a:endParaRPr>
+          </a:p>
+        </p:txBody>
+      </p:sp>
+      <p:sp>
+        <p:nvSpPr>
+          <p:cNvPr id="17" name="Rectangle 16">
+            <a:extLst>
+              <a:ext uri="{FF2B5EF4-FFF2-40B4-BE49-F238E27FC236}">
+                <a16:creationId xmlns:a16="http://schemas.microsoft.com/office/drawing/2014/main" id="{39C125CB-661E-4E02-8BD0-66AEDB7F5139}"/>
+              </a:ext>
+            </a:extLst>
+          </p:cNvPr>
+          <p:cNvSpPr/>
+          <p:nvPr/>
+        </p:nvSpPr>
+        <p:spPr>
+          <a:xfrm>
+            <a:off x="7189323" y="1131396"/>
+            <a:ext cx="1487347" cy="918026"/>
+          </a:xfrm>
+          <a:prstGeom prst="rect">
+            <a:avLst/>
+          </a:prstGeom>
+          <a:solidFill>
+            <a:srgbClr val="2F93E0"/>
+          </a:solidFill>
+          <a:ln w="76200">
+            <a:solidFill>
+              <a:schemeClr val="bg1"/>
+            </a:solidFill>
+            <a:miter lim="800000"/>
+          </a:ln>
+        </p:spPr>
+        <p:style>
+          <a:lnRef idx="2">
+            <a:schemeClr val="accent1">
+              <a:shade val="50000"/>
+            </a:schemeClr>
+          </a:lnRef>
+          <a:fillRef idx="1">
+            <a:schemeClr val="accent1"/>
+          </a:fillRef>
+          <a:effectRef idx="0">
+            <a:schemeClr val="accent1"/>
+          </a:effectRef>
+          <a:fontRef idx="minor">
+            <a:schemeClr val="lt1"/>
+          </a:fontRef>
+        </p:style>
+        <p:txBody>
+          <a:bodyPr rtlCol="0" anchor="t"/>
+          <a:lstStyle/>
+          <a:p>
+            <a:r>
+              <a:rPr lang="en-GB" sz="1100" dirty="0">
+                <a:latin typeface="Consolas" panose="020B0609020204030204" pitchFamily="49" charset="0"/>
+              </a:rPr>
+              <a:t>Target: Web04</a:t>
+            </a:r>
+          </a:p>
+          <a:p>
+            <a:r>
+              <a:rPr lang="en-GB" sz="1100" dirty="0">
+                <a:latin typeface="Consolas" panose="020B0609020204030204" pitchFamily="49" charset="0"/>
+              </a:rPr>
+              <a:t>Roles:</a:t>
+            </a:r>
+            <a:r>
+              <a:rPr lang="en-GB" sz="300" dirty="0">
+                <a:latin typeface="Consolas" panose="020B0609020204030204" pitchFamily="49" charset="0"/>
+              </a:rPr>
+              <a:t> </a:t>
+            </a:r>
+            <a:endParaRPr lang="en-GB" sz="1100" dirty="0">
+              <a:latin typeface="Consolas" panose="020B0609020204030204" pitchFamily="49" charset="0"/>
+            </a:endParaRPr>
+          </a:p>
+          <a:p>
+            <a:r>
+              <a:rPr lang="en-GB" sz="1100" dirty="0">
+                <a:solidFill>
+                  <a:schemeClr val="accent4">
+                    <a:lumMod val="60000"/>
+                    <a:lumOff val="40000"/>
+                  </a:schemeClr>
+                </a:solidFill>
+                <a:latin typeface="Consolas" panose="020B0609020204030204" pitchFamily="49" charset="0"/>
+              </a:rPr>
+              <a:t>Docs-</a:t>
+            </a:r>
+            <a:r>
+              <a:rPr lang="en-GB" sz="1100" dirty="0" err="1">
+                <a:solidFill>
+                  <a:schemeClr val="accent4">
+                    <a:lumMod val="60000"/>
+                    <a:lumOff val="40000"/>
+                  </a:schemeClr>
+                </a:solidFill>
+                <a:latin typeface="Consolas" panose="020B0609020204030204" pitchFamily="49" charset="0"/>
+              </a:rPr>
+              <a:t>WebServer</a:t>
+            </a:r>
+            <a:endParaRPr lang="en-GB" sz="1100" dirty="0">
+              <a:solidFill>
+                <a:schemeClr val="accent4">
+                  <a:lumMod val="60000"/>
+                  <a:lumOff val="40000"/>
+                </a:schemeClr>
+              </a:solidFill>
+              <a:latin typeface="Consolas" panose="020B0609020204030204" pitchFamily="49" charset="0"/>
+            </a:endParaRPr>
+          </a:p>
+          <a:p>
+            <a:r>
+              <a:rPr lang="en-GB" sz="1100" dirty="0">
+                <a:solidFill>
+                  <a:schemeClr val="accent6">
+                    <a:lumMod val="60000"/>
+                    <a:lumOff val="40000"/>
+                  </a:schemeClr>
+                </a:solidFill>
+                <a:latin typeface="Consolas" panose="020B0609020204030204" pitchFamily="49" charset="0"/>
+              </a:rPr>
+              <a:t>IIS</a:t>
+            </a:r>
+          </a:p>
+          <a:p>
+            <a:endParaRPr lang="en-GB" sz="1100" dirty="0">
+              <a:latin typeface="Consolas" panose="020B0609020204030204" pitchFamily="49" charset="0"/>
+            </a:endParaRPr>
+          </a:p>
+        </p:txBody>
+      </p:sp>
+      <p:sp>
+        <p:nvSpPr>
+          <p:cNvPr id="19" name="Rectangle 18">
+            <a:extLst>
+              <a:ext uri="{FF2B5EF4-FFF2-40B4-BE49-F238E27FC236}">
+                <a16:creationId xmlns:a16="http://schemas.microsoft.com/office/drawing/2014/main" id="{603F6771-DC12-447B-8552-C78420A07D56}"/>
+              </a:ext>
+            </a:extLst>
+          </p:cNvPr>
+          <p:cNvSpPr/>
+          <p:nvPr/>
+        </p:nvSpPr>
+        <p:spPr>
+          <a:xfrm>
+            <a:off x="7189322" y="3229859"/>
+            <a:ext cx="1487347" cy="917721"/>
+          </a:xfrm>
+          <a:prstGeom prst="rect">
+            <a:avLst/>
+          </a:prstGeom>
+          <a:solidFill>
+            <a:srgbClr val="2F93E0"/>
+          </a:solidFill>
+          <a:ln w="76200">
+            <a:solidFill>
+              <a:schemeClr val="bg1"/>
+            </a:solidFill>
+            <a:miter lim="800000"/>
+          </a:ln>
+        </p:spPr>
+        <p:style>
+          <a:lnRef idx="2">
+            <a:schemeClr val="accent1">
+              <a:shade val="50000"/>
+            </a:schemeClr>
+          </a:lnRef>
+          <a:fillRef idx="1">
+            <a:schemeClr val="accent1"/>
+          </a:fillRef>
+          <a:effectRef idx="0">
+            <a:schemeClr val="accent1"/>
+          </a:effectRef>
+          <a:fontRef idx="minor">
+            <a:schemeClr val="lt1"/>
+          </a:fontRef>
+        </p:style>
+        <p:txBody>
+          <a:bodyPr rtlCol="0" anchor="t"/>
+          <a:lstStyle/>
+          <a:p>
+            <a:r>
+              <a:rPr lang="en-GB" sz="1100" dirty="0">
+                <a:latin typeface="Consolas" panose="020B0609020204030204" pitchFamily="49" charset="0"/>
+              </a:rPr>
+              <a:t>Target: Web05</a:t>
+            </a:r>
+          </a:p>
+          <a:p>
+            <a:r>
+              <a:rPr lang="en-GB" sz="1100" dirty="0">
+                <a:latin typeface="Consolas" panose="020B0609020204030204" pitchFamily="49" charset="0"/>
+              </a:rPr>
+              <a:t>Roles:</a:t>
+            </a:r>
+            <a:r>
+              <a:rPr lang="en-GB" sz="300" dirty="0">
+                <a:latin typeface="Consolas" panose="020B0609020204030204" pitchFamily="49" charset="0"/>
+              </a:rPr>
+              <a:t> </a:t>
+            </a:r>
+            <a:endParaRPr lang="en-GB" sz="1100" dirty="0">
+              <a:latin typeface="Consolas" panose="020B0609020204030204" pitchFamily="49" charset="0"/>
+            </a:endParaRPr>
+          </a:p>
+          <a:p>
+            <a:r>
+              <a:rPr lang="en-GB" sz="1100" dirty="0">
+                <a:solidFill>
+                  <a:schemeClr val="accent4">
+                    <a:lumMod val="60000"/>
+                    <a:lumOff val="40000"/>
+                  </a:schemeClr>
+                </a:solidFill>
+                <a:latin typeface="Consolas" panose="020B0609020204030204" pitchFamily="49" charset="0"/>
+              </a:rPr>
+              <a:t>Docs-</a:t>
+            </a:r>
+            <a:r>
+              <a:rPr lang="en-GB" sz="1100" dirty="0" err="1">
+                <a:solidFill>
+                  <a:schemeClr val="accent4">
+                    <a:lumMod val="60000"/>
+                    <a:lumOff val="40000"/>
+                  </a:schemeClr>
+                </a:solidFill>
+                <a:latin typeface="Consolas" panose="020B0609020204030204" pitchFamily="49" charset="0"/>
+              </a:rPr>
+              <a:t>WebServer</a:t>
+            </a:r>
+            <a:endParaRPr lang="en-GB" sz="1100" dirty="0">
+              <a:solidFill>
+                <a:schemeClr val="accent4">
+                  <a:lumMod val="60000"/>
+                  <a:lumOff val="40000"/>
+                </a:schemeClr>
+              </a:solidFill>
+              <a:latin typeface="Consolas" panose="020B0609020204030204" pitchFamily="49" charset="0"/>
+            </a:endParaRPr>
+          </a:p>
+          <a:p>
             <a:r>
               <a:rPr lang="en-GB" sz="1100" dirty="0">
                 <a:solidFill>
@@ -10400,7 +11999,7 @@
 </p:sld>
 </file>
 
-<file path=ppt/slides/slide11.xml><?xml version="1.0" encoding="utf-8"?>
+<file path=ppt/slides/slide12.xml><?xml version="1.0" encoding="utf-8"?>
 <p:sld xmlns:a="http://schemas.openxmlformats.org/drawingml/2006/main" xmlns:r="http://schemas.openxmlformats.org/officeDocument/2006/relationships" xmlns:p="http://schemas.openxmlformats.org/presentationml/2006/main">
   <p:cSld>
     <p:spTree>
@@ -10482,7 +12081,7 @@
 </p:sld>
 </file>
 
-<file path=ppt/slides/slide12.xml><?xml version="1.0" encoding="utf-8"?>
+<file path=ppt/slides/slide13.xml><?xml version="1.0" encoding="utf-8"?>
 <p:sld xmlns:a="http://schemas.openxmlformats.org/drawingml/2006/main" xmlns:r="http://schemas.openxmlformats.org/officeDocument/2006/relationships" xmlns:p="http://schemas.openxmlformats.org/presentationml/2006/main">
   <p:cSld>
     <p:spTree>
@@ -10520,7 +12119,7 @@
         </p:spPr>
         <p:txBody>
           <a:bodyPr spcFirstLastPara="1" wrap="square" lIns="91425" tIns="91425" rIns="91425" bIns="91425" anchor="t" anchorCtr="0">
-            <a:normAutofit fontScale="92500" lnSpcReduction="20000"/>
+            <a:normAutofit fontScale="85000" lnSpcReduction="20000"/>
           </a:bodyPr>
           <a:lstStyle/>
           <a:p>
@@ -10559,7 +12158,7 @@
             </a:pPr>
             <a:r>
               <a:rPr lang="en-GB" dirty="0"/>
-              <a:t>Use specific Machine Role naming conventions: </a:t>
+              <a:t>Use specific Target Role naming conventions: </a:t>
             </a:r>
           </a:p>
           <a:p>
@@ -10604,7 +12203,7 @@
             </a:pPr>
             <a:r>
               <a:rPr lang="en-GB" dirty="0"/>
-              <a:t>Use generic Machine Roles for admin tasks:</a:t>
+              <a:t>Use generic Target Roles for admin tasks:</a:t>
             </a:r>
           </a:p>
           <a:p>
@@ -10625,6 +12224,16 @@
             <a:r>
               <a:rPr lang="en-GB" dirty="0"/>
               <a:t>MSSQL</a:t>
+            </a:r>
+          </a:p>
+          <a:p>
+            <a:pPr lvl="1" indent="-349250">
+              <a:buSzPts val="1900"/>
+              <a:buChar char="●"/>
+            </a:pPr>
+            <a:r>
+              <a:rPr lang="en-GB" dirty="0"/>
+              <a:t>NGINX</a:t>
             </a:r>
           </a:p>
         </p:txBody>
@@ -11008,6 +12617,49 @@
                                   </p:childTnLst>
                                 </p:cTn>
                               </p:par>
+                              <p:par>
+                                <p:cTn id="30" presetID="10" presetClass="entr" presetSubtype="0" fill="hold" nodeType="withEffect">
+                                  <p:stCondLst>
+                                    <p:cond delay="0"/>
+                                  </p:stCondLst>
+                                  <p:childTnLst>
+                                    <p:set>
+                                      <p:cBhvr>
+                                        <p:cTn id="31" dur="1" fill="hold">
+                                          <p:stCondLst>
+                                            <p:cond delay="0"/>
+                                          </p:stCondLst>
+                                        </p:cTn>
+                                        <p:tgtEl>
+                                          <p:spTgt spid="58">
+                                            <p:txEl>
+                                              <p:pRg st="7" end="7"/>
+                                            </p:txEl>
+                                          </p:spTgt>
+                                        </p:tgtEl>
+                                        <p:attrNameLst>
+                                          <p:attrName>style.visibility</p:attrName>
+                                        </p:attrNameLst>
+                                      </p:cBhvr>
+                                      <p:to>
+                                        <p:strVal val="visible"/>
+                                      </p:to>
+                                    </p:set>
+                                    <p:animEffect transition="in" filter="fade">
+                                      <p:cBhvr>
+                                        <p:cTn id="32" dur="500"/>
+                                        <p:tgtEl>
+                                          <p:spTgt spid="58">
+                                            <p:txEl>
+                                              <p:pRg st="7" end="7"/>
+                                            </p:txEl>
+                                          </p:spTgt>
+                                        </p:tgtEl>
+                                      </p:cBhvr>
+                                    </p:animEffect>
+                                  </p:childTnLst>
+                                </p:cTn>
+                              </p:par>
                             </p:childTnLst>
                           </p:cTn>
                         </p:par>
@@ -11093,7 +12745,7 @@
             </a:pPr>
             <a:r>
               <a:rPr lang="en" sz="1900" dirty="0"/>
-              <a:t>Defining Deployment Targets and Machine Roles</a:t>
+              <a:t>Defining Deployment Targets and Target Roles</a:t>
             </a:r>
             <a:br>
               <a:rPr lang="en" sz="1900" dirty="0"/>
@@ -11113,7 +12765,7 @@
             </a:pPr>
             <a:r>
               <a:rPr lang="en" sz="1900" dirty="0"/>
-              <a:t>How to use Machine Roles</a:t>
+              <a:t>How to use Target Roles</a:t>
             </a:r>
             <a:br>
               <a:rPr lang="en" sz="1900" dirty="0"/>
@@ -11496,7 +13148,7 @@
             </a:pPr>
             <a:r>
               <a:rPr lang="en" sz="1500" dirty="0"/>
-              <a:t>e.g. Azure Web Apps, aws ECS Clusters</a:t>
+              <a:t>e.g. Azure Web Apps, AWS ECS Clusters</a:t>
             </a:r>
             <a:br>
               <a:rPr lang="en" sz="1500" dirty="0"/>
@@ -13925,6 +15577,17 @@
               </a:rPr>
               <a:t> </a:t>
             </a:r>
+          </a:p>
+          <a:p>
+            <a:r>
+              <a:rPr lang="en-GB" sz="1100" dirty="0" err="1">
+                <a:solidFill>
+                  <a:schemeClr val="accent6"/>
+                </a:solidFill>
+                <a:latin typeface="Consolas" panose="020B0609020204030204" pitchFamily="49" charset="0"/>
+              </a:rPr>
+              <a:t>LoadBalancer</a:t>
+            </a:r>
             <a:endParaRPr lang="en-GB" sz="1100" dirty="0">
               <a:latin typeface="Consolas" panose="020B0609020204030204" pitchFamily="49" charset="0"/>
             </a:endParaRPr>
@@ -14273,15 +15936,6 @@
           </a:p>
           <a:p>
             <a:r>
-              <a:rPr lang="en-GB" sz="1100" dirty="0">
-                <a:solidFill>
-                  <a:schemeClr val="accent6"/>
-                </a:solidFill>
-                <a:latin typeface="Consolas" panose="020B0609020204030204" pitchFamily="49" charset="0"/>
-              </a:rPr>
-              <a:t>Website-</a:t>
-            </a:r>
-            <a:r>
               <a:rPr lang="en-GB" sz="1100" dirty="0" err="1">
                 <a:solidFill>
                   <a:schemeClr val="accent6"/>
@@ -14293,41 +15947,6 @@
             <a:endParaRPr lang="en-GB" sz="1100" dirty="0">
               <a:solidFill>
                 <a:schemeClr val="accent6"/>
-              </a:solidFill>
-              <a:latin typeface="Consolas" panose="020B0609020204030204" pitchFamily="49" charset="0"/>
-            </a:endParaRPr>
-          </a:p>
-          <a:p>
-            <a:r>
-              <a:rPr lang="en-GB" sz="1100" dirty="0">
-                <a:solidFill>
-                  <a:schemeClr val="accent4">
-                    <a:lumMod val="60000"/>
-                    <a:lumOff val="40000"/>
-                  </a:schemeClr>
-                </a:solidFill>
-                <a:latin typeface="Consolas" panose="020B0609020204030204" pitchFamily="49" charset="0"/>
-              </a:rPr>
-              <a:t>Docs-</a:t>
-            </a:r>
-            <a:r>
-              <a:rPr lang="en-GB" sz="1100" dirty="0" err="1">
-                <a:solidFill>
-                  <a:schemeClr val="accent4">
-                    <a:lumMod val="60000"/>
-                    <a:lumOff val="40000"/>
-                  </a:schemeClr>
-                </a:solidFill>
-                <a:latin typeface="Consolas" panose="020B0609020204030204" pitchFamily="49" charset="0"/>
-              </a:rPr>
-              <a:t>WebServer</a:t>
-            </a:r>
-            <a:endParaRPr lang="en-GB" sz="1100" dirty="0">
-              <a:solidFill>
-                <a:schemeClr val="accent4">
-                  <a:lumMod val="60000"/>
-                  <a:lumOff val="40000"/>
-                </a:schemeClr>
               </a:solidFill>
               <a:latin typeface="Consolas" panose="020B0609020204030204" pitchFamily="49" charset="0"/>
             </a:endParaRPr>
@@ -14393,6 +16012,12 @@
           </a:p>
           <a:p>
             <a:r>
+              <a:rPr lang="en-GB" sz="300" dirty="0">
+                <a:latin typeface="Consolas" panose="020B0609020204030204" pitchFamily="49" charset="0"/>
+              </a:rPr>
+              <a:t> </a:t>
+            </a:r>
+            <a:r>
               <a:rPr lang="en-GB" sz="1100" dirty="0">
                 <a:latin typeface="Consolas" panose="020B0609020204030204" pitchFamily="49" charset="0"/>
               </a:rPr>
@@ -14416,21 +16041,7 @@
                 </a:solidFill>
                 <a:latin typeface="Consolas" panose="020B0609020204030204" pitchFamily="49" charset="0"/>
               </a:rPr>
-              <a:t>Website-Database</a:t>
-            </a:r>
-          </a:p>
-          <a:p>
-            <a:r>
-              <a:rPr lang="en-GB" sz="1100" dirty="0">
-                <a:solidFill>
-                  <a:schemeClr val="accent4">
-                    <a:lumMod val="60000"/>
-                    <a:lumOff val="40000"/>
-                  </a:schemeClr>
-                </a:solidFill>
-                <a:latin typeface="Consolas" panose="020B0609020204030204" pitchFamily="49" charset="0"/>
-              </a:rPr>
-              <a:t>Docs-Database</a:t>
+              <a:t>Database</a:t>
             </a:r>
           </a:p>
           <a:p>
@@ -14461,7 +16072,7 @@
             <a:avLst/>
           </a:prstGeom>
           <a:solidFill>
-            <a:srgbClr val="2F93E0"/>
+            <a:srgbClr val="00CC65"/>
           </a:solidFill>
           <a:ln w="76200">
             <a:solidFill>
@@ -14491,7 +16102,7 @@
           <a:lstStyle/>
           <a:p>
             <a:r>
-              <a:rPr lang="en-GB" sz="1100" dirty="0">
+              <a:rPr lang="en-GB" sz="1100" b="1" dirty="0">
                 <a:latin typeface="Consolas" panose="020B0609020204030204" pitchFamily="49" charset="0"/>
               </a:rPr>
               <a:t>Target: Web02</a:t>
@@ -14499,43 +16110,34 @@
           </a:p>
           <a:p>
             <a:r>
-              <a:rPr lang="en-GB" sz="1100" dirty="0">
+              <a:rPr lang="en-GB" sz="1100" b="1" dirty="0">
                 <a:latin typeface="Consolas" panose="020B0609020204030204" pitchFamily="49" charset="0"/>
               </a:rPr>
               <a:t>Roles:</a:t>
             </a:r>
             <a:r>
-              <a:rPr lang="en-GB" sz="300" dirty="0">
+              <a:rPr lang="en-GB" sz="300" b="1" dirty="0">
                 <a:latin typeface="Consolas" panose="020B0609020204030204" pitchFamily="49" charset="0"/>
               </a:rPr>
               <a:t> </a:t>
             </a:r>
-            <a:endParaRPr lang="en-GB" sz="1100" dirty="0">
+            <a:endParaRPr lang="en-GB" sz="1100" b="1" dirty="0">
               <a:latin typeface="Consolas" panose="020B0609020204030204" pitchFamily="49" charset="0"/>
             </a:endParaRPr>
           </a:p>
           <a:p>
             <a:r>
-              <a:rPr lang="en-GB" sz="1100" dirty="0">
+              <a:rPr lang="en-GB" sz="1100" b="1" dirty="0" err="1">
                 <a:solidFill>
-                  <a:schemeClr val="accent6"/>
+                  <a:srgbClr val="FFFF00"/>
                 </a:solidFill>
                 <a:latin typeface="Consolas" panose="020B0609020204030204" pitchFamily="49" charset="0"/>
               </a:rPr>
-              <a:t>Website-</a:t>
-            </a:r>
-            <a:r>
-              <a:rPr lang="en-GB" sz="1100" dirty="0" err="1">
-                <a:solidFill>
-                  <a:schemeClr val="accent6"/>
-                </a:solidFill>
-                <a:latin typeface="Consolas" panose="020B0609020204030204" pitchFamily="49" charset="0"/>
-              </a:rPr>
               <a:t>WebServer</a:t>
             </a:r>
-            <a:endParaRPr lang="en-GB" sz="1100" dirty="0">
+            <a:endParaRPr lang="en-GB" sz="1100" b="1" dirty="0">
               <a:solidFill>
-                <a:schemeClr val="accent6"/>
+                <a:srgbClr val="FFFF00"/>
               </a:solidFill>
               <a:latin typeface="Consolas" panose="020B0609020204030204" pitchFamily="49" charset="0"/>
             </a:endParaRPr>
@@ -14606,6 +16208,12 @@
           </a:p>
           <a:p>
             <a:r>
+              <a:rPr lang="en-GB" sz="300" dirty="0">
+                <a:latin typeface="Consolas" panose="020B0609020204030204" pitchFamily="49" charset="0"/>
+              </a:rPr>
+              <a:t> </a:t>
+            </a:r>
+            <a:r>
               <a:rPr lang="en-GB" sz="1100" dirty="0">
                 <a:latin typeface="Consolas" panose="020B0609020204030204" pitchFamily="49" charset="0"/>
               </a:rPr>
@@ -14629,21 +16237,7 @@
                 </a:solidFill>
                 <a:latin typeface="Consolas" panose="020B0609020204030204" pitchFamily="49" charset="0"/>
               </a:rPr>
-              <a:t>Website-Database</a:t>
-            </a:r>
-          </a:p>
-          <a:p>
-            <a:r>
-              <a:rPr lang="en-GB" sz="1100" dirty="0">
-                <a:solidFill>
-                  <a:schemeClr val="accent4">
-                    <a:lumMod val="60000"/>
-                    <a:lumOff val="40000"/>
-                  </a:schemeClr>
-                </a:solidFill>
-                <a:latin typeface="Consolas" panose="020B0609020204030204" pitchFamily="49" charset="0"/>
-              </a:rPr>
-              <a:t>Docs-Database</a:t>
+              <a:t>Database</a:t>
             </a:r>
           </a:p>
           <a:p>
@@ -14723,6 +16317,17 @@
               </a:rPr>
               <a:t> </a:t>
             </a:r>
+          </a:p>
+          <a:p>
+            <a:r>
+              <a:rPr lang="en-GB" sz="1100" dirty="0" err="1">
+                <a:solidFill>
+                  <a:schemeClr val="accent6"/>
+                </a:solidFill>
+                <a:latin typeface="Consolas" panose="020B0609020204030204" pitchFamily="49" charset="0"/>
+              </a:rPr>
+              <a:t>LoadBalancer</a:t>
+            </a:r>
             <a:endParaRPr lang="en-GB" sz="1100" dirty="0">
               <a:latin typeface="Consolas" panose="020B0609020204030204" pitchFamily="49" charset="0"/>
             </a:endParaRPr>
@@ -14755,7 +16360,7 @@
             <a:avLst/>
           </a:prstGeom>
           <a:solidFill>
-            <a:srgbClr val="2F93E0"/>
+            <a:srgbClr val="00CC65"/>
           </a:solidFill>
           <a:ln w="76200">
             <a:solidFill>
@@ -14785,7 +16390,7 @@
           <a:lstStyle/>
           <a:p>
             <a:r>
-              <a:rPr lang="en-GB" sz="1100" dirty="0">
+              <a:rPr lang="en-GB" sz="1100" b="1" dirty="0">
                 <a:latin typeface="Consolas" panose="020B0609020204030204" pitchFamily="49" charset="0"/>
               </a:rPr>
               <a:t>Target: Web03</a:t>
@@ -14793,275 +16398,34 @@
           </a:p>
           <a:p>
             <a:r>
-              <a:rPr lang="en-GB" sz="1100" dirty="0">
+              <a:rPr lang="en-GB" sz="1100" b="1" dirty="0">
                 <a:latin typeface="Consolas" panose="020B0609020204030204" pitchFamily="49" charset="0"/>
               </a:rPr>
               <a:t>Roles:</a:t>
             </a:r>
             <a:r>
-              <a:rPr lang="en-GB" sz="300" dirty="0">
+              <a:rPr lang="en-GB" sz="300" b="1" dirty="0">
                 <a:latin typeface="Consolas" panose="020B0609020204030204" pitchFamily="49" charset="0"/>
               </a:rPr>
               <a:t> </a:t>
             </a:r>
-            <a:endParaRPr lang="en-GB" sz="1100" dirty="0">
+            <a:endParaRPr lang="en-GB" sz="1100" b="1" dirty="0">
               <a:latin typeface="Consolas" panose="020B0609020204030204" pitchFamily="49" charset="0"/>
             </a:endParaRPr>
           </a:p>
           <a:p>
             <a:r>
-              <a:rPr lang="en-GB" sz="1100" dirty="0">
+              <a:rPr lang="en-GB" sz="1100" b="1" dirty="0" err="1">
                 <a:solidFill>
-                  <a:schemeClr val="accent6"/>
+                  <a:srgbClr val="FFFF00"/>
                 </a:solidFill>
                 <a:latin typeface="Consolas" panose="020B0609020204030204" pitchFamily="49" charset="0"/>
               </a:rPr>
-              <a:t>Website-</a:t>
-            </a:r>
-            <a:r>
-              <a:rPr lang="en-GB" sz="1100" dirty="0" err="1">
-                <a:solidFill>
-                  <a:schemeClr val="accent6"/>
-                </a:solidFill>
-                <a:latin typeface="Consolas" panose="020B0609020204030204" pitchFamily="49" charset="0"/>
-              </a:rPr>
               <a:t>WebServer</a:t>
             </a:r>
-            <a:endParaRPr lang="en-GB" sz="1100" dirty="0">
+            <a:endParaRPr lang="en-GB" sz="1100" b="1" dirty="0">
               <a:solidFill>
-                <a:schemeClr val="accent6"/>
-              </a:solidFill>
-              <a:latin typeface="Consolas" panose="020B0609020204030204" pitchFamily="49" charset="0"/>
-            </a:endParaRPr>
-          </a:p>
-          <a:p>
-            <a:endParaRPr lang="en-GB" sz="1100" dirty="0">
-              <a:latin typeface="Consolas" panose="020B0609020204030204" pitchFamily="49" charset="0"/>
-            </a:endParaRPr>
-          </a:p>
-        </p:txBody>
-      </p:sp>
-      <p:sp>
-        <p:nvSpPr>
-          <p:cNvPr id="17" name="Rectangle 16">
-            <a:extLst>
-              <a:ext uri="{FF2B5EF4-FFF2-40B4-BE49-F238E27FC236}">
-                <a16:creationId xmlns:a16="http://schemas.microsoft.com/office/drawing/2014/main" id="{39C125CB-661E-4E02-8BD0-66AEDB7F5139}"/>
-              </a:ext>
-            </a:extLst>
-          </p:cNvPr>
-          <p:cNvSpPr/>
-          <p:nvPr/>
-        </p:nvSpPr>
-        <p:spPr>
-          <a:xfrm>
-            <a:off x="7189323" y="1131396"/>
-            <a:ext cx="1487347" cy="918026"/>
-          </a:xfrm>
-          <a:prstGeom prst="rect">
-            <a:avLst/>
-          </a:prstGeom>
-          <a:solidFill>
-            <a:srgbClr val="2F93E0"/>
-          </a:solidFill>
-          <a:ln w="76200">
-            <a:solidFill>
-              <a:schemeClr val="bg1"/>
-            </a:solidFill>
-            <a:miter lim="800000"/>
-          </a:ln>
-        </p:spPr>
-        <p:style>
-          <a:lnRef idx="2">
-            <a:schemeClr val="accent1">
-              <a:shade val="50000"/>
-            </a:schemeClr>
-          </a:lnRef>
-          <a:fillRef idx="1">
-            <a:schemeClr val="accent1"/>
-          </a:fillRef>
-          <a:effectRef idx="0">
-            <a:schemeClr val="accent1"/>
-          </a:effectRef>
-          <a:fontRef idx="minor">
-            <a:schemeClr val="lt1"/>
-          </a:fontRef>
-        </p:style>
-        <p:txBody>
-          <a:bodyPr rtlCol="0" anchor="t"/>
-          <a:lstStyle/>
-          <a:p>
-            <a:r>
-              <a:rPr lang="en-GB" sz="1100" dirty="0">
-                <a:latin typeface="Consolas" panose="020B0609020204030204" pitchFamily="49" charset="0"/>
-              </a:rPr>
-              <a:t>Target: Web04</a:t>
-            </a:r>
-          </a:p>
-          <a:p>
-            <a:r>
-              <a:rPr lang="en-GB" sz="1100" dirty="0">
-                <a:latin typeface="Consolas" panose="020B0609020204030204" pitchFamily="49" charset="0"/>
-              </a:rPr>
-              <a:t>Roles:</a:t>
-            </a:r>
-            <a:r>
-              <a:rPr lang="en-GB" sz="300" dirty="0">
-                <a:latin typeface="Consolas" panose="020B0609020204030204" pitchFamily="49" charset="0"/>
-              </a:rPr>
-              <a:t> </a:t>
-            </a:r>
-            <a:endParaRPr lang="en-GB" sz="1100" dirty="0">
-              <a:latin typeface="Consolas" panose="020B0609020204030204" pitchFamily="49" charset="0"/>
-            </a:endParaRPr>
-          </a:p>
-          <a:p>
-            <a:r>
-              <a:rPr lang="en-GB" sz="1100" dirty="0">
-                <a:solidFill>
-                  <a:schemeClr val="accent4">
-                    <a:lumMod val="60000"/>
-                    <a:lumOff val="40000"/>
-                  </a:schemeClr>
-                </a:solidFill>
-                <a:latin typeface="Consolas" panose="020B0609020204030204" pitchFamily="49" charset="0"/>
-              </a:rPr>
-              <a:t>Docs-</a:t>
-            </a:r>
-            <a:r>
-              <a:rPr lang="en-GB" sz="1100" dirty="0" err="1">
-                <a:solidFill>
-                  <a:schemeClr val="accent4">
-                    <a:lumMod val="60000"/>
-                    <a:lumOff val="40000"/>
-                  </a:schemeClr>
-                </a:solidFill>
-                <a:latin typeface="Consolas" panose="020B0609020204030204" pitchFamily="49" charset="0"/>
-              </a:rPr>
-              <a:t>WebServer</a:t>
-            </a:r>
-            <a:endParaRPr lang="en-GB" sz="1100" dirty="0">
-              <a:solidFill>
-                <a:schemeClr val="accent4">
-                  <a:lumMod val="60000"/>
-                  <a:lumOff val="40000"/>
-                </a:schemeClr>
-              </a:solidFill>
-              <a:latin typeface="Consolas" panose="020B0609020204030204" pitchFamily="49" charset="0"/>
-            </a:endParaRPr>
-          </a:p>
-          <a:p>
-            <a:endParaRPr lang="en-GB" sz="1100" dirty="0">
-              <a:latin typeface="Consolas" panose="020B0609020204030204" pitchFamily="49" charset="0"/>
-            </a:endParaRPr>
-          </a:p>
-        </p:txBody>
-      </p:sp>
-      <p:sp>
-        <p:nvSpPr>
-          <p:cNvPr id="19" name="Rectangle 18">
-            <a:extLst>
-              <a:ext uri="{FF2B5EF4-FFF2-40B4-BE49-F238E27FC236}">
-                <a16:creationId xmlns:a16="http://schemas.microsoft.com/office/drawing/2014/main" id="{603F6771-DC12-447B-8552-C78420A07D56}"/>
-              </a:ext>
-            </a:extLst>
-          </p:cNvPr>
-          <p:cNvSpPr/>
-          <p:nvPr/>
-        </p:nvSpPr>
-        <p:spPr>
-          <a:xfrm>
-            <a:off x="7189322" y="3229859"/>
-            <a:ext cx="1487347" cy="917721"/>
-          </a:xfrm>
-          <a:prstGeom prst="rect">
-            <a:avLst/>
-          </a:prstGeom>
-          <a:solidFill>
-            <a:srgbClr val="2F93E0"/>
-          </a:solidFill>
-          <a:ln w="76200">
-            <a:solidFill>
-              <a:schemeClr val="bg1"/>
-            </a:solidFill>
-            <a:miter lim="800000"/>
-          </a:ln>
-        </p:spPr>
-        <p:style>
-          <a:lnRef idx="2">
-            <a:schemeClr val="accent1">
-              <a:shade val="50000"/>
-            </a:schemeClr>
-          </a:lnRef>
-          <a:fillRef idx="1">
-            <a:schemeClr val="accent1"/>
-          </a:fillRef>
-          <a:effectRef idx="0">
-            <a:schemeClr val="accent1"/>
-          </a:effectRef>
-          <a:fontRef idx="minor">
-            <a:schemeClr val="lt1"/>
-          </a:fontRef>
-        </p:style>
-        <p:txBody>
-          <a:bodyPr rtlCol="0" anchor="t"/>
-          <a:lstStyle/>
-          <a:p>
-            <a:r>
-              <a:rPr lang="en-GB" sz="1100" dirty="0">
-                <a:latin typeface="Consolas" panose="020B0609020204030204" pitchFamily="49" charset="0"/>
-              </a:rPr>
-              <a:t>Target: Web05</a:t>
-            </a:r>
-          </a:p>
-          <a:p>
-            <a:r>
-              <a:rPr lang="en-GB" sz="1100" dirty="0">
-                <a:latin typeface="Consolas" panose="020B0609020204030204" pitchFamily="49" charset="0"/>
-              </a:rPr>
-              <a:t>Roles:</a:t>
-            </a:r>
-            <a:r>
-              <a:rPr lang="en-GB" sz="300" dirty="0">
-                <a:latin typeface="Consolas" panose="020B0609020204030204" pitchFamily="49" charset="0"/>
-              </a:rPr>
-              <a:t> </a:t>
-            </a:r>
-            <a:endParaRPr lang="en-GB" sz="1100" dirty="0">
-              <a:latin typeface="Consolas" panose="020B0609020204030204" pitchFamily="49" charset="0"/>
-            </a:endParaRPr>
-          </a:p>
-          <a:p>
-            <a:r>
-              <a:rPr lang="en-GB" sz="1100" dirty="0">
-                <a:solidFill>
-                  <a:schemeClr val="accent4">
-                    <a:lumMod val="60000"/>
-                    <a:lumOff val="40000"/>
-                  </a:schemeClr>
-                </a:solidFill>
-                <a:latin typeface="Consolas" panose="020B0609020204030204" pitchFamily="49" charset="0"/>
-              </a:rPr>
-              <a:t>Docs-</a:t>
-            </a:r>
-            <a:r>
-              <a:rPr lang="en-GB" sz="1100" dirty="0" err="1">
-                <a:solidFill>
-                  <a:schemeClr val="accent4">
-                    <a:lumMod val="60000"/>
-                    <a:lumOff val="40000"/>
-                  </a:schemeClr>
-                </a:solidFill>
-                <a:latin typeface="Consolas" panose="020B0609020204030204" pitchFamily="49" charset="0"/>
-              </a:rPr>
-              <a:t>WebServer</a:t>
-            </a:r>
-            <a:endParaRPr lang="en-GB" sz="1100" dirty="0">
-              <a:solidFill>
-                <a:schemeClr val="accent4">
-                  <a:lumMod val="60000"/>
-                  <a:lumOff val="40000"/>
-                </a:schemeClr>
+                <a:srgbClr val="FFFF00"/>
               </a:solidFill>
               <a:latin typeface="Consolas" panose="020B0609020204030204" pitchFamily="49" charset="0"/>
             </a:endParaRPr>
@@ -15076,7 +16440,7 @@
     </p:spTree>
     <p:extLst>
       <p:ext uri="{BB962C8B-B14F-4D97-AF65-F5344CB8AC3E}">
-        <p14:creationId xmlns:p14="http://schemas.microsoft.com/office/powerpoint/2010/main" val="3794452265"/>
+        <p14:creationId xmlns:p14="http://schemas.microsoft.com/office/powerpoint/2010/main" val="1746794358"/>
       </p:ext>
     </p:extLst>
   </p:cSld>
@@ -15312,15 +16676,6 @@
           </a:p>
           <a:p>
             <a:r>
-              <a:rPr lang="en-GB" sz="1100" dirty="0">
-                <a:solidFill>
-                  <a:schemeClr val="accent6"/>
-                </a:solidFill>
-                <a:latin typeface="Consolas" panose="020B0609020204030204" pitchFamily="49" charset="0"/>
-              </a:rPr>
-              <a:t>Website-</a:t>
-            </a:r>
-            <a:r>
               <a:rPr lang="en-GB" sz="1100" dirty="0" err="1">
                 <a:solidFill>
                   <a:schemeClr val="accent6"/>
@@ -15332,41 +16687,6 @@
             <a:endParaRPr lang="en-GB" sz="1100" dirty="0">
               <a:solidFill>
                 <a:schemeClr val="accent6"/>
-              </a:solidFill>
-              <a:latin typeface="Consolas" panose="020B0609020204030204" pitchFamily="49" charset="0"/>
-            </a:endParaRPr>
-          </a:p>
-          <a:p>
-            <a:r>
-              <a:rPr lang="en-GB" sz="1100" dirty="0">
-                <a:solidFill>
-                  <a:schemeClr val="accent4">
-                    <a:lumMod val="60000"/>
-                    <a:lumOff val="40000"/>
-                  </a:schemeClr>
-                </a:solidFill>
-                <a:latin typeface="Consolas" panose="020B0609020204030204" pitchFamily="49" charset="0"/>
-              </a:rPr>
-              <a:t>Docs-</a:t>
-            </a:r>
-            <a:r>
-              <a:rPr lang="en-GB" sz="1100" dirty="0" err="1">
-                <a:solidFill>
-                  <a:schemeClr val="accent4">
-                    <a:lumMod val="60000"/>
-                    <a:lumOff val="40000"/>
-                  </a:schemeClr>
-                </a:solidFill>
-                <a:latin typeface="Consolas" panose="020B0609020204030204" pitchFamily="49" charset="0"/>
-              </a:rPr>
-              <a:t>WebServer</a:t>
-            </a:r>
-            <a:endParaRPr lang="en-GB" sz="1100" dirty="0">
-              <a:solidFill>
-                <a:schemeClr val="accent4">
-                  <a:lumMod val="60000"/>
-                  <a:lumOff val="40000"/>
-                </a:schemeClr>
               </a:solidFill>
               <a:latin typeface="Consolas" panose="020B0609020204030204" pitchFamily="49" charset="0"/>
             </a:endParaRPr>
@@ -15432,6 +16752,12 @@
           </a:p>
           <a:p>
             <a:r>
+              <a:rPr lang="en-GB" sz="300" dirty="0">
+                <a:latin typeface="Consolas" panose="020B0609020204030204" pitchFamily="49" charset="0"/>
+              </a:rPr>
+              <a:t> </a:t>
+            </a:r>
+            <a:r>
               <a:rPr lang="en-GB" sz="1100" dirty="0">
                 <a:latin typeface="Consolas" panose="020B0609020204030204" pitchFamily="49" charset="0"/>
               </a:rPr>
@@ -15455,21 +16781,7 @@
                 </a:solidFill>
                 <a:latin typeface="Consolas" panose="020B0609020204030204" pitchFamily="49" charset="0"/>
               </a:rPr>
-              <a:t>Website-Database</a:t>
-            </a:r>
-          </a:p>
-          <a:p>
-            <a:r>
-              <a:rPr lang="en-GB" sz="1100" dirty="0">
-                <a:solidFill>
-                  <a:schemeClr val="accent4">
-                    <a:lumMod val="60000"/>
-                    <a:lumOff val="40000"/>
-                  </a:schemeClr>
-                </a:solidFill>
-                <a:latin typeface="Consolas" panose="020B0609020204030204" pitchFamily="49" charset="0"/>
-              </a:rPr>
-              <a:t>Docs-Database</a:t>
+              <a:t>Database</a:t>
             </a:r>
           </a:p>
           <a:p>
@@ -15500,114 +16812,7 @@
             <a:avLst/>
           </a:prstGeom>
           <a:solidFill>
-            <a:srgbClr val="2F93E0"/>
-          </a:solidFill>
-          <a:ln w="76200">
-            <a:solidFill>
-              <a:srgbClr val="FFFF00"/>
-            </a:solidFill>
-            <a:miter lim="800000"/>
-          </a:ln>
-        </p:spPr>
-        <p:style>
-          <a:lnRef idx="2">
-            <a:schemeClr val="accent1">
-              <a:shade val="50000"/>
-            </a:schemeClr>
-          </a:lnRef>
-          <a:fillRef idx="1">
-            <a:schemeClr val="accent1"/>
-          </a:fillRef>
-          <a:effectRef idx="0">
-            <a:schemeClr val="accent1"/>
-          </a:effectRef>
-          <a:fontRef idx="minor">
-            <a:schemeClr val="lt1"/>
-          </a:fontRef>
-        </p:style>
-        <p:txBody>
-          <a:bodyPr rtlCol="0" anchor="t"/>
-          <a:lstStyle/>
-          <a:p>
-            <a:r>
-              <a:rPr lang="en-GB" sz="1100" dirty="0">
-                <a:latin typeface="Consolas" panose="020B0609020204030204" pitchFamily="49" charset="0"/>
-              </a:rPr>
-              <a:t>Target: Web02</a:t>
-            </a:r>
-          </a:p>
-          <a:p>
-            <a:r>
-              <a:rPr lang="en-GB" sz="1100" dirty="0">
-                <a:latin typeface="Consolas" panose="020B0609020204030204" pitchFamily="49" charset="0"/>
-              </a:rPr>
-              <a:t>Roles:</a:t>
-            </a:r>
-            <a:r>
-              <a:rPr lang="en-GB" sz="300" dirty="0">
-                <a:latin typeface="Consolas" panose="020B0609020204030204" pitchFamily="49" charset="0"/>
-              </a:rPr>
-              <a:t> </a:t>
-            </a:r>
-            <a:endParaRPr lang="en-GB" sz="1100" dirty="0">
-              <a:latin typeface="Consolas" panose="020B0609020204030204" pitchFamily="49" charset="0"/>
-            </a:endParaRPr>
-          </a:p>
-          <a:p>
-            <a:r>
-              <a:rPr lang="en-GB" sz="1100" dirty="0">
-                <a:solidFill>
-                  <a:schemeClr val="accent6"/>
-                </a:solidFill>
-                <a:latin typeface="Consolas" panose="020B0609020204030204" pitchFamily="49" charset="0"/>
-              </a:rPr>
-              <a:t>Website-</a:t>
-            </a:r>
-            <a:r>
-              <a:rPr lang="en-GB" sz="1100" dirty="0" err="1">
-                <a:solidFill>
-                  <a:schemeClr val="accent6"/>
-                </a:solidFill>
-                <a:latin typeface="Consolas" panose="020B0609020204030204" pitchFamily="49" charset="0"/>
-              </a:rPr>
-              <a:t>WebServer</a:t>
-            </a:r>
-            <a:endParaRPr lang="en-GB" sz="1100" dirty="0">
-              <a:solidFill>
-                <a:schemeClr val="accent6"/>
-              </a:solidFill>
-              <a:latin typeface="Consolas" panose="020B0609020204030204" pitchFamily="49" charset="0"/>
-            </a:endParaRPr>
-          </a:p>
-          <a:p>
-            <a:endParaRPr lang="en-GB" sz="1100" dirty="0">
-              <a:latin typeface="Consolas" panose="020B0609020204030204" pitchFamily="49" charset="0"/>
-            </a:endParaRPr>
-          </a:p>
-        </p:txBody>
-      </p:sp>
-      <p:sp>
-        <p:nvSpPr>
-          <p:cNvPr id="20" name="Rectangle 19">
-            <a:extLst>
-              <a:ext uri="{FF2B5EF4-FFF2-40B4-BE49-F238E27FC236}">
-                <a16:creationId xmlns:a16="http://schemas.microsoft.com/office/drawing/2014/main" id="{513DA074-85BA-451C-8499-46871D0C226D}"/>
-              </a:ext>
-            </a:extLst>
-          </p:cNvPr>
-          <p:cNvSpPr/>
-          <p:nvPr/>
-        </p:nvSpPr>
-        <p:spPr>
-          <a:xfrm>
-            <a:off x="5573279" y="3229860"/>
-            <a:ext cx="1487348" cy="917722"/>
-          </a:xfrm>
-          <a:prstGeom prst="rect">
-            <a:avLst/>
-          </a:prstGeom>
-          <a:solidFill>
-            <a:srgbClr val="2F93E0"/>
+            <a:srgbClr val="00CC65"/>
           </a:solidFill>
           <a:ln w="76200">
             <a:solidFill>
@@ -15637,52 +16842,142 @@
           <a:lstStyle/>
           <a:p>
             <a:r>
-              <a:rPr lang="en-GB" sz="1100" dirty="0">
-                <a:latin typeface="Consolas" panose="020B0609020204030204" pitchFamily="49" charset="0"/>
-              </a:rPr>
-              <a:t>Target: DB02</a:t>
-            </a:r>
-          </a:p>
-          <a:p>
-            <a:r>
-              <a:rPr lang="en-GB" sz="1100" dirty="0">
+              <a:rPr lang="en-GB" sz="1100" b="1" dirty="0">
+                <a:latin typeface="Consolas" panose="020B0609020204030204" pitchFamily="49" charset="0"/>
+              </a:rPr>
+              <a:t>Target: Web02</a:t>
+            </a:r>
+          </a:p>
+          <a:p>
+            <a:r>
+              <a:rPr lang="en-GB" sz="1100" b="1" dirty="0">
                 <a:latin typeface="Consolas" panose="020B0609020204030204" pitchFamily="49" charset="0"/>
               </a:rPr>
               <a:t>Roles:</a:t>
             </a:r>
             <a:r>
-              <a:rPr lang="en-GB" sz="300" dirty="0">
+              <a:rPr lang="en-GB" sz="300" b="1" dirty="0">
                 <a:latin typeface="Consolas" panose="020B0609020204030204" pitchFamily="49" charset="0"/>
               </a:rPr>
               <a:t> </a:t>
             </a:r>
+            <a:endParaRPr lang="en-GB" sz="1100" b="1" dirty="0">
+              <a:latin typeface="Consolas" panose="020B0609020204030204" pitchFamily="49" charset="0"/>
+            </a:endParaRPr>
+          </a:p>
+          <a:p>
+            <a:r>
+              <a:rPr lang="en-GB" sz="1100" b="1" dirty="0" err="1">
+                <a:solidFill>
+                  <a:srgbClr val="FFFF00"/>
+                </a:solidFill>
+                <a:latin typeface="Consolas" panose="020B0609020204030204" pitchFamily="49" charset="0"/>
+              </a:rPr>
+              <a:t>WebServer</a:t>
+            </a:r>
+            <a:endParaRPr lang="en-GB" sz="1100" b="1" dirty="0">
+              <a:solidFill>
+                <a:srgbClr val="FFFF00"/>
+              </a:solidFill>
+              <a:latin typeface="Consolas" panose="020B0609020204030204" pitchFamily="49" charset="0"/>
+            </a:endParaRPr>
+          </a:p>
+          <a:p>
             <a:endParaRPr lang="en-GB" sz="1100" dirty="0">
               <a:latin typeface="Consolas" panose="020B0609020204030204" pitchFamily="49" charset="0"/>
             </a:endParaRPr>
           </a:p>
-          <a:p>
-            <a:r>
-              <a:rPr lang="en-GB" sz="1100" dirty="0">
+        </p:txBody>
+      </p:sp>
+      <p:sp>
+        <p:nvSpPr>
+          <p:cNvPr id="20" name="Rectangle 19">
+            <a:extLst>
+              <a:ext uri="{FF2B5EF4-FFF2-40B4-BE49-F238E27FC236}">
+                <a16:creationId xmlns:a16="http://schemas.microsoft.com/office/drawing/2014/main" id="{513DA074-85BA-451C-8499-46871D0C226D}"/>
+              </a:ext>
+            </a:extLst>
+          </p:cNvPr>
+          <p:cNvSpPr/>
+          <p:nvPr/>
+        </p:nvSpPr>
+        <p:spPr>
+          <a:xfrm>
+            <a:off x="5573279" y="3229860"/>
+            <a:ext cx="1487348" cy="917722"/>
+          </a:xfrm>
+          <a:prstGeom prst="rect">
+            <a:avLst/>
+          </a:prstGeom>
+          <a:solidFill>
+            <a:srgbClr val="00CC65"/>
+          </a:solidFill>
+          <a:ln w="76200">
+            <a:solidFill>
+              <a:schemeClr val="bg1"/>
+            </a:solidFill>
+            <a:miter lim="800000"/>
+          </a:ln>
+        </p:spPr>
+        <p:style>
+          <a:lnRef idx="2">
+            <a:schemeClr val="accent1">
+              <a:shade val="50000"/>
+            </a:schemeClr>
+          </a:lnRef>
+          <a:fillRef idx="1">
+            <a:schemeClr val="accent1"/>
+          </a:fillRef>
+          <a:effectRef idx="0">
+            <a:schemeClr val="accent1"/>
+          </a:effectRef>
+          <a:fontRef idx="minor">
+            <a:schemeClr val="lt1"/>
+          </a:fontRef>
+        </p:style>
+        <p:txBody>
+          <a:bodyPr rtlCol="0" anchor="t"/>
+          <a:lstStyle/>
+          <a:p>
+            <a:r>
+              <a:rPr lang="en-GB" sz="1100" b="1" dirty="0">
+                <a:latin typeface="Consolas" panose="020B0609020204030204" pitchFamily="49" charset="0"/>
+              </a:rPr>
+              <a:t>Target: DB02</a:t>
+            </a:r>
+          </a:p>
+          <a:p>
+            <a:r>
+              <a:rPr lang="en-GB" sz="300" b="1" dirty="0">
+                <a:latin typeface="Consolas" panose="020B0609020204030204" pitchFamily="49" charset="0"/>
+              </a:rPr>
+              <a:t> </a:t>
+            </a:r>
+            <a:r>
+              <a:rPr lang="en-GB" sz="1100" b="1" dirty="0">
+                <a:latin typeface="Consolas" panose="020B0609020204030204" pitchFamily="49" charset="0"/>
+              </a:rPr>
+              <a:t>Roles:</a:t>
+            </a:r>
+            <a:r>
+              <a:rPr lang="en-GB" sz="300" b="1" dirty="0">
+                <a:latin typeface="Consolas" panose="020B0609020204030204" pitchFamily="49" charset="0"/>
+              </a:rPr>
+              <a:t> </a:t>
+            </a:r>
+            <a:endParaRPr lang="en-GB" sz="1100" b="1" dirty="0">
+              <a:latin typeface="Consolas" panose="020B0609020204030204" pitchFamily="49" charset="0"/>
+            </a:endParaRPr>
+          </a:p>
+          <a:p>
+            <a:r>
+              <a:rPr lang="en-GB" sz="1100" b="1" dirty="0">
                 <a:solidFill>
-                  <a:schemeClr val="accent6"/>
+                  <a:srgbClr val="FFFF00"/>
                 </a:solidFill>
                 <a:latin typeface="Consolas" panose="020B0609020204030204" pitchFamily="49" charset="0"/>
               </a:rPr>
-              <a:t>Website-Database</a:t>
-            </a:r>
-          </a:p>
-          <a:p>
-            <a:r>
-              <a:rPr lang="en-GB" sz="1100" dirty="0">
-                <a:solidFill>
-                  <a:schemeClr val="accent4">
-                    <a:lumMod val="60000"/>
-                    <a:lumOff val="40000"/>
-                  </a:schemeClr>
-                </a:solidFill>
-                <a:latin typeface="Consolas" panose="020B0609020204030204" pitchFamily="49" charset="0"/>
-              </a:rPr>
-              <a:t>Docs-Database</a:t>
+              <a:t>Database</a:t>
             </a:r>
           </a:p>
           <a:p>
@@ -15762,6 +17057,17 @@
               </a:rPr>
               <a:t> </a:t>
             </a:r>
+          </a:p>
+          <a:p>
+            <a:r>
+              <a:rPr lang="en-GB" sz="1100" dirty="0" err="1">
+                <a:solidFill>
+                  <a:schemeClr val="accent6"/>
+                </a:solidFill>
+                <a:latin typeface="Consolas" panose="020B0609020204030204" pitchFamily="49" charset="0"/>
+              </a:rPr>
+              <a:t>LoadBalancer</a:t>
+            </a:r>
             <a:endParaRPr lang="en-GB" sz="1100" dirty="0">
               <a:latin typeface="Consolas" panose="020B0609020204030204" pitchFamily="49" charset="0"/>
             </a:endParaRPr>
@@ -15794,114 +17100,7 @@
             <a:avLst/>
           </a:prstGeom>
           <a:solidFill>
-            <a:srgbClr val="2F93E0"/>
-          </a:solidFill>
-          <a:ln w="76200">
-            <a:solidFill>
-              <a:srgbClr val="FFFF00"/>
-            </a:solidFill>
-            <a:miter lim="800000"/>
-          </a:ln>
-        </p:spPr>
-        <p:style>
-          <a:lnRef idx="2">
-            <a:schemeClr val="accent1">
-              <a:shade val="50000"/>
-            </a:schemeClr>
-          </a:lnRef>
-          <a:fillRef idx="1">
-            <a:schemeClr val="accent1"/>
-          </a:fillRef>
-          <a:effectRef idx="0">
-            <a:schemeClr val="accent1"/>
-          </a:effectRef>
-          <a:fontRef idx="minor">
-            <a:schemeClr val="lt1"/>
-          </a:fontRef>
-        </p:style>
-        <p:txBody>
-          <a:bodyPr rtlCol="0" anchor="t"/>
-          <a:lstStyle/>
-          <a:p>
-            <a:r>
-              <a:rPr lang="en-GB" sz="1100" dirty="0">
-                <a:latin typeface="Consolas" panose="020B0609020204030204" pitchFamily="49" charset="0"/>
-              </a:rPr>
-              <a:t>Target: Web03</a:t>
-            </a:r>
-          </a:p>
-          <a:p>
-            <a:r>
-              <a:rPr lang="en-GB" sz="1100" dirty="0">
-                <a:latin typeface="Consolas" panose="020B0609020204030204" pitchFamily="49" charset="0"/>
-              </a:rPr>
-              <a:t>Roles:</a:t>
-            </a:r>
-            <a:r>
-              <a:rPr lang="en-GB" sz="300" dirty="0">
-                <a:latin typeface="Consolas" panose="020B0609020204030204" pitchFamily="49" charset="0"/>
-              </a:rPr>
-              <a:t> </a:t>
-            </a:r>
-            <a:endParaRPr lang="en-GB" sz="1100" dirty="0">
-              <a:latin typeface="Consolas" panose="020B0609020204030204" pitchFamily="49" charset="0"/>
-            </a:endParaRPr>
-          </a:p>
-          <a:p>
-            <a:r>
-              <a:rPr lang="en-GB" sz="1100" dirty="0">
-                <a:solidFill>
-                  <a:schemeClr val="accent6"/>
-                </a:solidFill>
-                <a:latin typeface="Consolas" panose="020B0609020204030204" pitchFamily="49" charset="0"/>
-              </a:rPr>
-              <a:t>Website-</a:t>
-            </a:r>
-            <a:r>
-              <a:rPr lang="en-GB" sz="1100" dirty="0" err="1">
-                <a:solidFill>
-                  <a:schemeClr val="accent6"/>
-                </a:solidFill>
-                <a:latin typeface="Consolas" panose="020B0609020204030204" pitchFamily="49" charset="0"/>
-              </a:rPr>
-              <a:t>WebServer</a:t>
-            </a:r>
-            <a:endParaRPr lang="en-GB" sz="1100" dirty="0">
-              <a:solidFill>
-                <a:schemeClr val="accent6"/>
-              </a:solidFill>
-              <a:latin typeface="Consolas" panose="020B0609020204030204" pitchFamily="49" charset="0"/>
-            </a:endParaRPr>
-          </a:p>
-          <a:p>
-            <a:endParaRPr lang="en-GB" sz="1100" dirty="0">
-              <a:latin typeface="Consolas" panose="020B0609020204030204" pitchFamily="49" charset="0"/>
-            </a:endParaRPr>
-          </a:p>
-        </p:txBody>
-      </p:sp>
-      <p:sp>
-        <p:nvSpPr>
-          <p:cNvPr id="17" name="Rectangle 16">
-            <a:extLst>
-              <a:ext uri="{FF2B5EF4-FFF2-40B4-BE49-F238E27FC236}">
-                <a16:creationId xmlns:a16="http://schemas.microsoft.com/office/drawing/2014/main" id="{39C125CB-661E-4E02-8BD0-66AEDB7F5139}"/>
-              </a:ext>
-            </a:extLst>
-          </p:cNvPr>
-          <p:cNvSpPr/>
-          <p:nvPr/>
-        </p:nvSpPr>
-        <p:spPr>
-          <a:xfrm>
-            <a:off x="7189323" y="1131396"/>
-            <a:ext cx="1487347" cy="918026"/>
-          </a:xfrm>
-          <a:prstGeom prst="rect">
-            <a:avLst/>
-          </a:prstGeom>
-          <a:solidFill>
-            <a:srgbClr val="2F93E0"/>
+            <a:srgbClr val="00CC65"/>
           </a:solidFill>
           <a:ln w="76200">
             <a:solidFill>
@@ -15931,176 +17130,42 @@
           <a:lstStyle/>
           <a:p>
             <a:r>
-              <a:rPr lang="en-GB" sz="1100" dirty="0">
-                <a:latin typeface="Consolas" panose="020B0609020204030204" pitchFamily="49" charset="0"/>
-              </a:rPr>
-              <a:t>Target: Web04</a:t>
-            </a:r>
-          </a:p>
-          <a:p>
-            <a:r>
-              <a:rPr lang="en-GB" sz="1100" dirty="0">
+              <a:rPr lang="en-GB" sz="1100" b="1" dirty="0">
+                <a:latin typeface="Consolas" panose="020B0609020204030204" pitchFamily="49" charset="0"/>
+              </a:rPr>
+              <a:t>Target: Web03</a:t>
+            </a:r>
+          </a:p>
+          <a:p>
+            <a:r>
+              <a:rPr lang="en-GB" sz="1100" b="1" dirty="0">
                 <a:latin typeface="Consolas" panose="020B0609020204030204" pitchFamily="49" charset="0"/>
               </a:rPr>
               <a:t>Roles:</a:t>
             </a:r>
             <a:r>
-              <a:rPr lang="en-GB" sz="300" dirty="0">
+              <a:rPr lang="en-GB" sz="300" b="1" dirty="0">
                 <a:latin typeface="Consolas" panose="020B0609020204030204" pitchFamily="49" charset="0"/>
               </a:rPr>
               <a:t> </a:t>
             </a:r>
-            <a:endParaRPr lang="en-GB" sz="1100" dirty="0">
+            <a:endParaRPr lang="en-GB" sz="1100" b="1" dirty="0">
               <a:latin typeface="Consolas" panose="020B0609020204030204" pitchFamily="49" charset="0"/>
             </a:endParaRPr>
           </a:p>
           <a:p>
             <a:r>
-              <a:rPr lang="en-GB" sz="1100" dirty="0">
+              <a:rPr lang="en-GB" sz="1100" b="1" dirty="0" err="1">
                 <a:solidFill>
-                  <a:schemeClr val="accent4">
-                    <a:lumMod val="60000"/>
-                    <a:lumOff val="40000"/>
-                  </a:schemeClr>
+                  <a:srgbClr val="FFFF00"/>
                 </a:solidFill>
                 <a:latin typeface="Consolas" panose="020B0609020204030204" pitchFamily="49" charset="0"/>
               </a:rPr>
-              <a:t>Docs-</a:t>
-            </a:r>
-            <a:r>
-              <a:rPr lang="en-GB" sz="1100" dirty="0" err="1">
-                <a:solidFill>
-                  <a:schemeClr val="accent4">
-                    <a:lumMod val="60000"/>
-                    <a:lumOff val="40000"/>
-                  </a:schemeClr>
-                </a:solidFill>
-                <a:latin typeface="Consolas" panose="020B0609020204030204" pitchFamily="49" charset="0"/>
-              </a:rPr>
               <a:t>WebServer</a:t>
             </a:r>
-            <a:endParaRPr lang="en-GB" sz="1100" dirty="0">
+            <a:endParaRPr lang="en-GB" sz="1100" b="1" dirty="0">
               <a:solidFill>
-                <a:schemeClr val="accent4">
-                  <a:lumMod val="60000"/>
-                  <a:lumOff val="40000"/>
-                </a:schemeClr>
-              </a:solidFill>
-              <a:latin typeface="Consolas" panose="020B0609020204030204" pitchFamily="49" charset="0"/>
-            </a:endParaRPr>
-          </a:p>
-          <a:p>
-            <a:endParaRPr lang="en-GB" sz="1100" dirty="0">
-              <a:latin typeface="Consolas" panose="020B0609020204030204" pitchFamily="49" charset="0"/>
-            </a:endParaRPr>
-          </a:p>
-        </p:txBody>
-      </p:sp>
-      <p:sp>
-        <p:nvSpPr>
-          <p:cNvPr id="19" name="Rectangle 18">
-            <a:extLst>
-              <a:ext uri="{FF2B5EF4-FFF2-40B4-BE49-F238E27FC236}">
-                <a16:creationId xmlns:a16="http://schemas.microsoft.com/office/drawing/2014/main" id="{603F6771-DC12-447B-8552-C78420A07D56}"/>
-              </a:ext>
-            </a:extLst>
-          </p:cNvPr>
-          <p:cNvSpPr/>
-          <p:nvPr/>
-        </p:nvSpPr>
-        <p:spPr>
-          <a:xfrm>
-            <a:off x="7189322" y="3229859"/>
-            <a:ext cx="1487347" cy="917721"/>
-          </a:xfrm>
-          <a:prstGeom prst="rect">
-            <a:avLst/>
-          </a:prstGeom>
-          <a:solidFill>
-            <a:srgbClr val="2F93E0"/>
-          </a:solidFill>
-          <a:ln w="76200">
-            <a:solidFill>
-              <a:schemeClr val="bg1"/>
-            </a:solidFill>
-            <a:miter lim="800000"/>
-          </a:ln>
-        </p:spPr>
-        <p:style>
-          <a:lnRef idx="2">
-            <a:schemeClr val="accent1">
-              <a:shade val="50000"/>
-            </a:schemeClr>
-          </a:lnRef>
-          <a:fillRef idx="1">
-            <a:schemeClr val="accent1"/>
-          </a:fillRef>
-          <a:effectRef idx="0">
-            <a:schemeClr val="accent1"/>
-          </a:effectRef>
-          <a:fontRef idx="minor">
-            <a:schemeClr val="lt1"/>
-          </a:fontRef>
-        </p:style>
-        <p:txBody>
-          <a:bodyPr rtlCol="0" anchor="t"/>
-          <a:lstStyle/>
-          <a:p>
-            <a:r>
-              <a:rPr lang="en-GB" sz="1100" dirty="0">
-                <a:latin typeface="Consolas" panose="020B0609020204030204" pitchFamily="49" charset="0"/>
-              </a:rPr>
-              <a:t>Target: Web05</a:t>
-            </a:r>
-          </a:p>
-          <a:p>
-            <a:r>
-              <a:rPr lang="en-GB" sz="1100" dirty="0">
-                <a:latin typeface="Consolas" panose="020B0609020204030204" pitchFamily="49" charset="0"/>
-              </a:rPr>
-              <a:t>Roles:</a:t>
-            </a:r>
-            <a:r>
-              <a:rPr lang="en-GB" sz="300" dirty="0">
-                <a:latin typeface="Consolas" panose="020B0609020204030204" pitchFamily="49" charset="0"/>
-              </a:rPr>
-              <a:t> </a:t>
-            </a:r>
-            <a:endParaRPr lang="en-GB" sz="1100" dirty="0">
-              <a:latin typeface="Consolas" panose="020B0609020204030204" pitchFamily="49" charset="0"/>
-            </a:endParaRPr>
-          </a:p>
-          <a:p>
-            <a:r>
-              <a:rPr lang="en-GB" sz="1100" dirty="0">
-                <a:solidFill>
-                  <a:schemeClr val="accent4">
-                    <a:lumMod val="60000"/>
-                    <a:lumOff val="40000"/>
-                  </a:schemeClr>
-                </a:solidFill>
-                <a:latin typeface="Consolas" panose="020B0609020204030204" pitchFamily="49" charset="0"/>
-              </a:rPr>
-              <a:t>Docs-</a:t>
-            </a:r>
-            <a:r>
-              <a:rPr lang="en-GB" sz="1100" dirty="0" err="1">
-                <a:solidFill>
-                  <a:schemeClr val="accent4">
-                    <a:lumMod val="60000"/>
-                    <a:lumOff val="40000"/>
-                  </a:schemeClr>
-                </a:solidFill>
-                <a:latin typeface="Consolas" panose="020B0609020204030204" pitchFamily="49" charset="0"/>
-              </a:rPr>
-              <a:t>WebServer</a:t>
-            </a:r>
-            <a:endParaRPr lang="en-GB" sz="1100" dirty="0">
-              <a:solidFill>
-                <a:schemeClr val="accent4">
-                  <a:lumMod val="60000"/>
-                  <a:lumOff val="40000"/>
-                </a:schemeClr>
+                <a:srgbClr val="FFFF00"/>
               </a:solidFill>
               <a:latin typeface="Consolas" panose="020B0609020204030204" pitchFamily="49" charset="0"/>
             </a:endParaRPr>
@@ -16115,7 +17180,7 @@
     </p:spTree>
     <p:extLst>
       <p:ext uri="{BB962C8B-B14F-4D97-AF65-F5344CB8AC3E}">
-        <p14:creationId xmlns:p14="http://schemas.microsoft.com/office/powerpoint/2010/main" val="1098384561"/>
+        <p14:creationId xmlns:p14="http://schemas.microsoft.com/office/powerpoint/2010/main" val="1897276817"/>
       </p:ext>
     </p:extLst>
   </p:cSld>
@@ -16351,15 +17416,6 @@
           </a:p>
           <a:p>
             <a:r>
-              <a:rPr lang="en-GB" sz="1100" dirty="0">
-                <a:solidFill>
-                  <a:schemeClr val="accent6"/>
-                </a:solidFill>
-                <a:latin typeface="Consolas" panose="020B0609020204030204" pitchFamily="49" charset="0"/>
-              </a:rPr>
-              <a:t>Website-</a:t>
-            </a:r>
-            <a:r>
               <a:rPr lang="en-GB" sz="1100" dirty="0" err="1">
                 <a:solidFill>
                   <a:schemeClr val="accent6"/>
@@ -16371,41 +17427,6 @@
             <a:endParaRPr lang="en-GB" sz="1100" dirty="0">
               <a:solidFill>
                 <a:schemeClr val="accent6"/>
-              </a:solidFill>
-              <a:latin typeface="Consolas" panose="020B0609020204030204" pitchFamily="49" charset="0"/>
-            </a:endParaRPr>
-          </a:p>
-          <a:p>
-            <a:r>
-              <a:rPr lang="en-GB" sz="1100" dirty="0">
-                <a:solidFill>
-                  <a:schemeClr val="accent4">
-                    <a:lumMod val="60000"/>
-                    <a:lumOff val="40000"/>
-                  </a:schemeClr>
-                </a:solidFill>
-                <a:latin typeface="Consolas" panose="020B0609020204030204" pitchFamily="49" charset="0"/>
-              </a:rPr>
-              <a:t>Docs-</a:t>
-            </a:r>
-            <a:r>
-              <a:rPr lang="en-GB" sz="1100" dirty="0" err="1">
-                <a:solidFill>
-                  <a:schemeClr val="accent4">
-                    <a:lumMod val="60000"/>
-                    <a:lumOff val="40000"/>
-                  </a:schemeClr>
-                </a:solidFill>
-                <a:latin typeface="Consolas" panose="020B0609020204030204" pitchFamily="49" charset="0"/>
-              </a:rPr>
-              <a:t>WebServer</a:t>
-            </a:r>
-            <a:endParaRPr lang="en-GB" sz="1100" dirty="0">
-              <a:solidFill>
-                <a:schemeClr val="accent4">
-                  <a:lumMod val="60000"/>
-                  <a:lumOff val="40000"/>
-                </a:schemeClr>
               </a:solidFill>
               <a:latin typeface="Consolas" panose="020B0609020204030204" pitchFamily="49" charset="0"/>
             </a:endParaRPr>
@@ -16471,6 +17492,12 @@
           </a:p>
           <a:p>
             <a:r>
+              <a:rPr lang="en-GB" sz="300" dirty="0">
+                <a:latin typeface="Consolas" panose="020B0609020204030204" pitchFamily="49" charset="0"/>
+              </a:rPr>
+              <a:t> </a:t>
+            </a:r>
+            <a:r>
               <a:rPr lang="en-GB" sz="1100" dirty="0">
                 <a:latin typeface="Consolas" panose="020B0609020204030204" pitchFamily="49" charset="0"/>
               </a:rPr>
@@ -16494,21 +17521,7 @@
                 </a:solidFill>
                 <a:latin typeface="Consolas" panose="020B0609020204030204" pitchFamily="49" charset="0"/>
               </a:rPr>
-              <a:t>Website-Database</a:t>
-            </a:r>
-          </a:p>
-          <a:p>
-            <a:r>
-              <a:rPr lang="en-GB" sz="1100" dirty="0">
-                <a:solidFill>
-                  <a:schemeClr val="accent4">
-                    <a:lumMod val="60000"/>
-                    <a:lumOff val="40000"/>
-                  </a:schemeClr>
-                </a:solidFill>
-                <a:latin typeface="Consolas" panose="020B0609020204030204" pitchFamily="49" charset="0"/>
-              </a:rPr>
-              <a:t>Docs-Database</a:t>
+              <a:t>Database</a:t>
             </a:r>
           </a:p>
           <a:p>
@@ -16594,15 +17607,6 @@
           </a:p>
           <a:p>
             <a:r>
-              <a:rPr lang="en-GB" sz="1100" dirty="0">
-                <a:solidFill>
-                  <a:schemeClr val="accent6"/>
-                </a:solidFill>
-                <a:latin typeface="Consolas" panose="020B0609020204030204" pitchFamily="49" charset="0"/>
-              </a:rPr>
-              <a:t>Website-</a:t>
-            </a:r>
-            <a:r>
               <a:rPr lang="en-GB" sz="1100" dirty="0" err="1">
                 <a:solidFill>
                   <a:schemeClr val="accent6"/>
@@ -16684,6 +17688,12 @@
           </a:p>
           <a:p>
             <a:r>
+              <a:rPr lang="en-GB" sz="300" dirty="0">
+                <a:latin typeface="Consolas" panose="020B0609020204030204" pitchFamily="49" charset="0"/>
+              </a:rPr>
+              <a:t> </a:t>
+            </a:r>
+            <a:r>
               <a:rPr lang="en-GB" sz="1100" dirty="0">
                 <a:latin typeface="Consolas" panose="020B0609020204030204" pitchFamily="49" charset="0"/>
               </a:rPr>
@@ -16707,21 +17717,7 @@
                 </a:solidFill>
                 <a:latin typeface="Consolas" panose="020B0609020204030204" pitchFamily="49" charset="0"/>
               </a:rPr>
-              <a:t>Website-Database</a:t>
-            </a:r>
-          </a:p>
-          <a:p>
-            <a:r>
-              <a:rPr lang="en-GB" sz="1100" dirty="0">
-                <a:solidFill>
-                  <a:schemeClr val="accent4">
-                    <a:lumMod val="60000"/>
-                    <a:lumOff val="40000"/>
-                  </a:schemeClr>
-                </a:solidFill>
-                <a:latin typeface="Consolas" panose="020B0609020204030204" pitchFamily="49" charset="0"/>
-              </a:rPr>
-              <a:t>Docs-Database</a:t>
+              <a:t>Database</a:t>
             </a:r>
           </a:p>
           <a:p>
@@ -16801,6 +17797,17 @@
               </a:rPr>
               <a:t> </a:t>
             </a:r>
+          </a:p>
+          <a:p>
+            <a:r>
+              <a:rPr lang="en-GB" sz="1100" dirty="0" err="1">
+                <a:solidFill>
+                  <a:schemeClr val="accent6"/>
+                </a:solidFill>
+                <a:latin typeface="Consolas" panose="020B0609020204030204" pitchFamily="49" charset="0"/>
+              </a:rPr>
+              <a:t>LoadBalancer</a:t>
+            </a:r>
             <a:endParaRPr lang="en-GB" sz="1100" dirty="0">
               <a:latin typeface="Consolas" panose="020B0609020204030204" pitchFamily="49" charset="0"/>
             </a:endParaRPr>
@@ -16888,15 +17895,6 @@
           </a:p>
           <a:p>
             <a:r>
-              <a:rPr lang="en-GB" sz="1100" dirty="0">
-                <a:solidFill>
-                  <a:schemeClr val="accent6"/>
-                </a:solidFill>
-                <a:latin typeface="Consolas" panose="020B0609020204030204" pitchFamily="49" charset="0"/>
-              </a:rPr>
-              <a:t>Website-</a:t>
-            </a:r>
-            <a:r>
               <a:rPr lang="en-GB" sz="1100" dirty="0" err="1">
                 <a:solidFill>
                   <a:schemeClr val="accent6"/>
@@ -16919,242 +17917,10 @@
           </a:p>
         </p:txBody>
       </p:sp>
-      <p:sp>
-        <p:nvSpPr>
-          <p:cNvPr id="17" name="Rectangle 16">
-            <a:extLst>
-              <a:ext uri="{FF2B5EF4-FFF2-40B4-BE49-F238E27FC236}">
-                <a16:creationId xmlns:a16="http://schemas.microsoft.com/office/drawing/2014/main" id="{39C125CB-661E-4E02-8BD0-66AEDB7F5139}"/>
-              </a:ext>
-            </a:extLst>
-          </p:cNvPr>
-          <p:cNvSpPr/>
-          <p:nvPr/>
-        </p:nvSpPr>
-        <p:spPr>
-          <a:xfrm>
-            <a:off x="7189323" y="1131396"/>
-            <a:ext cx="1487347" cy="918026"/>
-          </a:xfrm>
-          <a:prstGeom prst="rect">
-            <a:avLst/>
-          </a:prstGeom>
-          <a:solidFill>
-            <a:srgbClr val="2F93E0"/>
-          </a:solidFill>
-          <a:ln w="76200">
-            <a:solidFill>
-              <a:schemeClr val="bg1"/>
-            </a:solidFill>
-            <a:miter lim="800000"/>
-          </a:ln>
-        </p:spPr>
-        <p:style>
-          <a:lnRef idx="2">
-            <a:schemeClr val="accent1">
-              <a:shade val="50000"/>
-            </a:schemeClr>
-          </a:lnRef>
-          <a:fillRef idx="1">
-            <a:schemeClr val="accent1"/>
-          </a:fillRef>
-          <a:effectRef idx="0">
-            <a:schemeClr val="accent1"/>
-          </a:effectRef>
-          <a:fontRef idx="minor">
-            <a:schemeClr val="lt1"/>
-          </a:fontRef>
-        </p:style>
-        <p:txBody>
-          <a:bodyPr rtlCol="0" anchor="t"/>
-          <a:lstStyle/>
-          <a:p>
-            <a:r>
-              <a:rPr lang="en-GB" sz="1100" dirty="0">
-                <a:latin typeface="Consolas" panose="020B0609020204030204" pitchFamily="49" charset="0"/>
-              </a:rPr>
-              <a:t>Target: Web04</a:t>
-            </a:r>
-          </a:p>
-          <a:p>
-            <a:r>
-              <a:rPr lang="en-GB" sz="1100" dirty="0">
-                <a:latin typeface="Consolas" panose="020B0609020204030204" pitchFamily="49" charset="0"/>
-              </a:rPr>
-              <a:t>Roles:</a:t>
-            </a:r>
-            <a:r>
-              <a:rPr lang="en-GB" sz="300" dirty="0">
-                <a:latin typeface="Consolas" panose="020B0609020204030204" pitchFamily="49" charset="0"/>
-              </a:rPr>
-              <a:t> </a:t>
-            </a:r>
-            <a:endParaRPr lang="en-GB" sz="1100" dirty="0">
-              <a:latin typeface="Consolas" panose="020B0609020204030204" pitchFamily="49" charset="0"/>
-            </a:endParaRPr>
-          </a:p>
-          <a:p>
-            <a:r>
-              <a:rPr lang="en-GB" sz="1100" dirty="0">
-                <a:solidFill>
-                  <a:schemeClr val="accent4">
-                    <a:lumMod val="60000"/>
-                    <a:lumOff val="40000"/>
-                  </a:schemeClr>
-                </a:solidFill>
-                <a:latin typeface="Consolas" panose="020B0609020204030204" pitchFamily="49" charset="0"/>
-              </a:rPr>
-              <a:t>Docs-</a:t>
-            </a:r>
-            <a:r>
-              <a:rPr lang="en-GB" sz="1100" dirty="0" err="1">
-                <a:solidFill>
-                  <a:schemeClr val="accent4">
-                    <a:lumMod val="60000"/>
-                    <a:lumOff val="40000"/>
-                  </a:schemeClr>
-                </a:solidFill>
-                <a:latin typeface="Consolas" panose="020B0609020204030204" pitchFamily="49" charset="0"/>
-              </a:rPr>
-              <a:t>WebServer</a:t>
-            </a:r>
-            <a:endParaRPr lang="en-GB" sz="1100" dirty="0">
-              <a:solidFill>
-                <a:schemeClr val="accent4">
-                  <a:lumMod val="60000"/>
-                  <a:lumOff val="40000"/>
-                </a:schemeClr>
-              </a:solidFill>
-              <a:latin typeface="Consolas" panose="020B0609020204030204" pitchFamily="49" charset="0"/>
-            </a:endParaRPr>
-          </a:p>
-          <a:p>
-            <a:endParaRPr lang="en-GB" sz="1100" dirty="0">
-              <a:latin typeface="Consolas" panose="020B0609020204030204" pitchFamily="49" charset="0"/>
-            </a:endParaRPr>
-          </a:p>
-        </p:txBody>
-      </p:sp>
-      <p:sp>
-        <p:nvSpPr>
-          <p:cNvPr id="19" name="Rectangle 18">
-            <a:extLst>
-              <a:ext uri="{FF2B5EF4-FFF2-40B4-BE49-F238E27FC236}">
-                <a16:creationId xmlns:a16="http://schemas.microsoft.com/office/drawing/2014/main" id="{603F6771-DC12-447B-8552-C78420A07D56}"/>
-              </a:ext>
-            </a:extLst>
-          </p:cNvPr>
-          <p:cNvSpPr/>
-          <p:nvPr/>
-        </p:nvSpPr>
-        <p:spPr>
-          <a:xfrm>
-            <a:off x="7189322" y="3229859"/>
-            <a:ext cx="1487347" cy="917721"/>
-          </a:xfrm>
-          <a:prstGeom prst="rect">
-            <a:avLst/>
-          </a:prstGeom>
-          <a:solidFill>
-            <a:srgbClr val="2F93E0"/>
-          </a:solidFill>
-          <a:ln w="76200">
-            <a:solidFill>
-              <a:schemeClr val="bg1"/>
-            </a:solidFill>
-            <a:miter lim="800000"/>
-          </a:ln>
-        </p:spPr>
-        <p:style>
-          <a:lnRef idx="2">
-            <a:schemeClr val="accent1">
-              <a:shade val="50000"/>
-            </a:schemeClr>
-          </a:lnRef>
-          <a:fillRef idx="1">
-            <a:schemeClr val="accent1"/>
-          </a:fillRef>
-          <a:effectRef idx="0">
-            <a:schemeClr val="accent1"/>
-          </a:effectRef>
-          <a:fontRef idx="minor">
-            <a:schemeClr val="lt1"/>
-          </a:fontRef>
-        </p:style>
-        <p:txBody>
-          <a:bodyPr rtlCol="0" anchor="t"/>
-          <a:lstStyle/>
-          <a:p>
-            <a:r>
-              <a:rPr lang="en-GB" sz="1100" dirty="0">
-                <a:latin typeface="Consolas" panose="020B0609020204030204" pitchFamily="49" charset="0"/>
-              </a:rPr>
-              <a:t>Target: Web05</a:t>
-            </a:r>
-          </a:p>
-          <a:p>
-            <a:r>
-              <a:rPr lang="en-GB" sz="1100" dirty="0">
-                <a:latin typeface="Consolas" panose="020B0609020204030204" pitchFamily="49" charset="0"/>
-              </a:rPr>
-              <a:t>Roles:</a:t>
-            </a:r>
-            <a:r>
-              <a:rPr lang="en-GB" sz="300" dirty="0">
-                <a:latin typeface="Consolas" panose="020B0609020204030204" pitchFamily="49" charset="0"/>
-              </a:rPr>
-              <a:t> </a:t>
-            </a:r>
-            <a:endParaRPr lang="en-GB" sz="1100" dirty="0">
-              <a:latin typeface="Consolas" panose="020B0609020204030204" pitchFamily="49" charset="0"/>
-            </a:endParaRPr>
-          </a:p>
-          <a:p>
-            <a:r>
-              <a:rPr lang="en-GB" sz="1100" dirty="0">
-                <a:solidFill>
-                  <a:schemeClr val="accent4">
-                    <a:lumMod val="60000"/>
-                    <a:lumOff val="40000"/>
-                  </a:schemeClr>
-                </a:solidFill>
-                <a:latin typeface="Consolas" panose="020B0609020204030204" pitchFamily="49" charset="0"/>
-              </a:rPr>
-              <a:t>Docs-</a:t>
-            </a:r>
-            <a:r>
-              <a:rPr lang="en-GB" sz="1100" dirty="0" err="1">
-                <a:solidFill>
-                  <a:schemeClr val="accent4">
-                    <a:lumMod val="60000"/>
-                    <a:lumOff val="40000"/>
-                  </a:schemeClr>
-                </a:solidFill>
-                <a:latin typeface="Consolas" panose="020B0609020204030204" pitchFamily="49" charset="0"/>
-              </a:rPr>
-              <a:t>WebServer</a:t>
-            </a:r>
-            <a:endParaRPr lang="en-GB" sz="1100" dirty="0">
-              <a:solidFill>
-                <a:schemeClr val="accent4">
-                  <a:lumMod val="60000"/>
-                  <a:lumOff val="40000"/>
-                </a:schemeClr>
-              </a:solidFill>
-              <a:latin typeface="Consolas" panose="020B0609020204030204" pitchFamily="49" charset="0"/>
-            </a:endParaRPr>
-          </a:p>
-          <a:p>
-            <a:endParaRPr lang="en-GB" sz="1100" dirty="0">
-              <a:latin typeface="Consolas" panose="020B0609020204030204" pitchFamily="49" charset="0"/>
-            </a:endParaRPr>
-          </a:p>
-        </p:txBody>
-      </p:sp>
     </p:spTree>
     <p:extLst>
       <p:ext uri="{BB962C8B-B14F-4D97-AF65-F5344CB8AC3E}">
-        <p14:creationId xmlns:p14="http://schemas.microsoft.com/office/powerpoint/2010/main" val="144139491"/>
+        <p14:creationId xmlns:p14="http://schemas.microsoft.com/office/powerpoint/2010/main" val="730835349"/>
       </p:ext>
     </p:extLst>
   </p:cSld>
